--- a/경우의 수 임용고시 2011.pptx
+++ b/경우의 수 임용고시 2011.pptx
@@ -12,9 +12,13 @@
     <p:sldId id="293" r:id="rId6"/>
     <p:sldId id="285" r:id="rId7"/>
     <p:sldId id="286" r:id="rId8"/>
-    <p:sldId id="287" r:id="rId9"/>
-    <p:sldId id="288" r:id="rId10"/>
-    <p:sldId id="289" r:id="rId11"/>
+    <p:sldId id="296" r:id="rId9"/>
+    <p:sldId id="297" r:id="rId10"/>
+    <p:sldId id="298" r:id="rId11"/>
+    <p:sldId id="299" r:id="rId12"/>
+    <p:sldId id="287" r:id="rId13"/>
+    <p:sldId id="288" r:id="rId14"/>
+    <p:sldId id="289" r:id="rId15"/>
   </p:sldIdLst>
   <p:sldSz cx="12192000" cy="6858000"/>
   <p:notesSz cx="6858000" cy="9144000"/>
@@ -163,10 +167,9 @@
           </a:lstStyle>
           <a:p>
             <a:r>
-              <a:rPr lang="en-US" smtClean="0"/>
+              <a:rPr lang="en-US"/>
               <a:t>Click to edit Master title style</a:t>
             </a:r>
-            <a:endParaRPr lang="en-US"/>
           </a:p>
         </p:txBody>
       </p:sp>
@@ -228,10 +231,9 @@
           </a:lstStyle>
           <a:p>
             <a:r>
-              <a:rPr lang="en-US" smtClean="0"/>
+              <a:rPr lang="en-US"/>
               <a:t>Click to edit Master subtitle style</a:t>
             </a:r>
-            <a:endParaRPr lang="en-US"/>
           </a:p>
         </p:txBody>
       </p:sp>
@@ -252,7 +254,7 @@
           <a:p>
             <a:fld id="{5B3AD1D6-AE87-C841-B3FD-7C9F7FCAE5AE}" type="datetimeFigureOut">
               <a:rPr lang="en-US" smtClean="0"/>
-              <a:t>12/16/19</a:t>
+              <a:t>12/20/19</a:t>
             </a:fld>
             <a:endParaRPr lang="en-US"/>
           </a:p>
@@ -346,10 +348,9 @@
           <a:lstStyle/>
           <a:p>
             <a:r>
-              <a:rPr lang="en-US" smtClean="0"/>
+              <a:rPr lang="en-US"/>
               <a:t>Click to edit Master title style</a:t>
             </a:r>
-            <a:endParaRPr lang="en-US"/>
           </a:p>
         </p:txBody>
       </p:sp>
@@ -370,38 +371,37 @@
           <a:p>
             <a:pPr lvl="0"/>
             <a:r>
-              <a:rPr lang="en-US" smtClean="0"/>
+              <a:rPr lang="en-US"/>
               <a:t>Click to edit Master text styles</a:t>
             </a:r>
           </a:p>
           <a:p>
             <a:pPr lvl="1"/>
             <a:r>
-              <a:rPr lang="en-US" smtClean="0"/>
+              <a:rPr lang="en-US"/>
               <a:t>Second level</a:t>
             </a:r>
           </a:p>
           <a:p>
             <a:pPr lvl="2"/>
             <a:r>
-              <a:rPr lang="en-US" smtClean="0"/>
+              <a:rPr lang="en-US"/>
               <a:t>Third level</a:t>
             </a:r>
           </a:p>
           <a:p>
             <a:pPr lvl="3"/>
             <a:r>
-              <a:rPr lang="en-US" smtClean="0"/>
+              <a:rPr lang="en-US"/>
               <a:t>Fourth level</a:t>
             </a:r>
           </a:p>
           <a:p>
             <a:pPr lvl="4"/>
             <a:r>
-              <a:rPr lang="en-US" smtClean="0"/>
+              <a:rPr lang="en-US"/>
               <a:t>Fifth level</a:t>
             </a:r>
-            <a:endParaRPr lang="en-US"/>
           </a:p>
         </p:txBody>
       </p:sp>
@@ -422,7 +422,7 @@
           <a:p>
             <a:fld id="{5B3AD1D6-AE87-C841-B3FD-7C9F7FCAE5AE}" type="datetimeFigureOut">
               <a:rPr lang="en-US" smtClean="0"/>
-              <a:t>12/16/19</a:t>
+              <a:t>12/20/19</a:t>
             </a:fld>
             <a:endParaRPr lang="en-US"/>
           </a:p>
@@ -521,10 +521,9 @@
           <a:lstStyle/>
           <a:p>
             <a:r>
-              <a:rPr lang="en-US" smtClean="0"/>
+              <a:rPr lang="en-US"/>
               <a:t>Click to edit Master title style</a:t>
             </a:r>
-            <a:endParaRPr lang="en-US"/>
           </a:p>
         </p:txBody>
       </p:sp>
@@ -550,38 +549,37 @@
           <a:p>
             <a:pPr lvl="0"/>
             <a:r>
-              <a:rPr lang="en-US" smtClean="0"/>
+              <a:rPr lang="en-US"/>
               <a:t>Click to edit Master text styles</a:t>
             </a:r>
           </a:p>
           <a:p>
             <a:pPr lvl="1"/>
             <a:r>
-              <a:rPr lang="en-US" smtClean="0"/>
+              <a:rPr lang="en-US"/>
               <a:t>Second level</a:t>
             </a:r>
           </a:p>
           <a:p>
             <a:pPr lvl="2"/>
             <a:r>
-              <a:rPr lang="en-US" smtClean="0"/>
+              <a:rPr lang="en-US"/>
               <a:t>Third level</a:t>
             </a:r>
           </a:p>
           <a:p>
             <a:pPr lvl="3"/>
             <a:r>
-              <a:rPr lang="en-US" smtClean="0"/>
+              <a:rPr lang="en-US"/>
               <a:t>Fourth level</a:t>
             </a:r>
           </a:p>
           <a:p>
             <a:pPr lvl="4"/>
             <a:r>
-              <a:rPr lang="en-US" smtClean="0"/>
+              <a:rPr lang="en-US"/>
               <a:t>Fifth level</a:t>
             </a:r>
-            <a:endParaRPr lang="en-US"/>
           </a:p>
         </p:txBody>
       </p:sp>
@@ -602,7 +600,7 @@
           <a:p>
             <a:fld id="{5B3AD1D6-AE87-C841-B3FD-7C9F7FCAE5AE}" type="datetimeFigureOut">
               <a:rPr lang="en-US" smtClean="0"/>
-              <a:t>12/16/19</a:t>
+              <a:t>12/20/19</a:t>
             </a:fld>
             <a:endParaRPr lang="en-US"/>
           </a:p>
@@ -696,10 +694,9 @@
           <a:lstStyle/>
           <a:p>
             <a:r>
-              <a:rPr lang="en-US" smtClean="0"/>
+              <a:rPr lang="en-US"/>
               <a:t>Click to edit Master title style</a:t>
             </a:r>
-            <a:endParaRPr lang="en-US"/>
           </a:p>
         </p:txBody>
       </p:sp>
@@ -720,38 +717,37 @@
           <a:p>
             <a:pPr lvl="0"/>
             <a:r>
-              <a:rPr lang="en-US" smtClean="0"/>
+              <a:rPr lang="en-US"/>
               <a:t>Click to edit Master text styles</a:t>
             </a:r>
           </a:p>
           <a:p>
             <a:pPr lvl="1"/>
             <a:r>
-              <a:rPr lang="en-US" smtClean="0"/>
+              <a:rPr lang="en-US"/>
               <a:t>Second level</a:t>
             </a:r>
           </a:p>
           <a:p>
             <a:pPr lvl="2"/>
             <a:r>
-              <a:rPr lang="en-US" smtClean="0"/>
+              <a:rPr lang="en-US"/>
               <a:t>Third level</a:t>
             </a:r>
           </a:p>
           <a:p>
             <a:pPr lvl="3"/>
             <a:r>
-              <a:rPr lang="en-US" smtClean="0"/>
+              <a:rPr lang="en-US"/>
               <a:t>Fourth level</a:t>
             </a:r>
           </a:p>
           <a:p>
             <a:pPr lvl="4"/>
             <a:r>
-              <a:rPr lang="en-US" smtClean="0"/>
+              <a:rPr lang="en-US"/>
               <a:t>Fifth level</a:t>
             </a:r>
-            <a:endParaRPr lang="en-US"/>
           </a:p>
         </p:txBody>
       </p:sp>
@@ -772,7 +768,7 @@
           <a:p>
             <a:fld id="{5B3AD1D6-AE87-C841-B3FD-7C9F7FCAE5AE}" type="datetimeFigureOut">
               <a:rPr lang="en-US" smtClean="0"/>
-              <a:t>12/16/19</a:t>
+              <a:t>12/20/19</a:t>
             </a:fld>
             <a:endParaRPr lang="en-US"/>
           </a:p>
@@ -875,10 +871,9 @@
           </a:lstStyle>
           <a:p>
             <a:r>
-              <a:rPr lang="en-US" smtClean="0"/>
+              <a:rPr lang="en-US"/>
               <a:t>Click to edit Master title style</a:t>
             </a:r>
-            <a:endParaRPr lang="en-US"/>
           </a:p>
         </p:txBody>
       </p:sp>
@@ -995,7 +990,7 @@
           <a:p>
             <a:pPr lvl="0"/>
             <a:r>
-              <a:rPr lang="en-US" smtClean="0"/>
+              <a:rPr lang="en-US"/>
               <a:t>Click to edit Master text styles</a:t>
             </a:r>
           </a:p>
@@ -1018,7 +1013,7 @@
           <a:p>
             <a:fld id="{5B3AD1D6-AE87-C841-B3FD-7C9F7FCAE5AE}" type="datetimeFigureOut">
               <a:rPr lang="en-US" smtClean="0"/>
-              <a:t>12/16/19</a:t>
+              <a:t>12/20/19</a:t>
             </a:fld>
             <a:endParaRPr lang="en-US"/>
           </a:p>
@@ -1112,10 +1107,9 @@
           <a:lstStyle/>
           <a:p>
             <a:r>
-              <a:rPr lang="en-US" smtClean="0"/>
+              <a:rPr lang="en-US"/>
               <a:t>Click to edit Master title style</a:t>
             </a:r>
-            <a:endParaRPr lang="en-US"/>
           </a:p>
         </p:txBody>
       </p:sp>
@@ -1141,38 +1135,37 @@
           <a:p>
             <a:pPr lvl="0"/>
             <a:r>
-              <a:rPr lang="en-US" smtClean="0"/>
+              <a:rPr lang="en-US"/>
               <a:t>Click to edit Master text styles</a:t>
             </a:r>
           </a:p>
           <a:p>
             <a:pPr lvl="1"/>
             <a:r>
-              <a:rPr lang="en-US" smtClean="0"/>
+              <a:rPr lang="en-US"/>
               <a:t>Second level</a:t>
             </a:r>
           </a:p>
           <a:p>
             <a:pPr lvl="2"/>
             <a:r>
-              <a:rPr lang="en-US" smtClean="0"/>
+              <a:rPr lang="en-US"/>
               <a:t>Third level</a:t>
             </a:r>
           </a:p>
           <a:p>
             <a:pPr lvl="3"/>
             <a:r>
-              <a:rPr lang="en-US" smtClean="0"/>
+              <a:rPr lang="en-US"/>
               <a:t>Fourth level</a:t>
             </a:r>
           </a:p>
           <a:p>
             <a:pPr lvl="4"/>
             <a:r>
-              <a:rPr lang="en-US" smtClean="0"/>
+              <a:rPr lang="en-US"/>
               <a:t>Fifth level</a:t>
             </a:r>
-            <a:endParaRPr lang="en-US"/>
           </a:p>
         </p:txBody>
       </p:sp>
@@ -1198,38 +1191,37 @@
           <a:p>
             <a:pPr lvl="0"/>
             <a:r>
-              <a:rPr lang="en-US" smtClean="0"/>
+              <a:rPr lang="en-US"/>
               <a:t>Click to edit Master text styles</a:t>
             </a:r>
           </a:p>
           <a:p>
             <a:pPr lvl="1"/>
             <a:r>
-              <a:rPr lang="en-US" smtClean="0"/>
+              <a:rPr lang="en-US"/>
               <a:t>Second level</a:t>
             </a:r>
           </a:p>
           <a:p>
             <a:pPr lvl="2"/>
             <a:r>
-              <a:rPr lang="en-US" smtClean="0"/>
+              <a:rPr lang="en-US"/>
               <a:t>Third level</a:t>
             </a:r>
           </a:p>
           <a:p>
             <a:pPr lvl="3"/>
             <a:r>
-              <a:rPr lang="en-US" smtClean="0"/>
+              <a:rPr lang="en-US"/>
               <a:t>Fourth level</a:t>
             </a:r>
           </a:p>
           <a:p>
             <a:pPr lvl="4"/>
             <a:r>
-              <a:rPr lang="en-US" smtClean="0"/>
+              <a:rPr lang="en-US"/>
               <a:t>Fifth level</a:t>
             </a:r>
-            <a:endParaRPr lang="en-US"/>
           </a:p>
         </p:txBody>
       </p:sp>
@@ -1250,7 +1242,7 @@
           <a:p>
             <a:fld id="{5B3AD1D6-AE87-C841-B3FD-7C9F7FCAE5AE}" type="datetimeFigureOut">
               <a:rPr lang="en-US" smtClean="0"/>
-              <a:t>12/16/19</a:t>
+              <a:t>12/20/19</a:t>
             </a:fld>
             <a:endParaRPr lang="en-US"/>
           </a:p>
@@ -1349,10 +1341,9 @@
           <a:lstStyle/>
           <a:p>
             <a:r>
-              <a:rPr lang="en-US" smtClean="0"/>
+              <a:rPr lang="en-US"/>
               <a:t>Click to edit Master title style</a:t>
             </a:r>
-            <a:endParaRPr lang="en-US"/>
           </a:p>
         </p:txBody>
       </p:sp>
@@ -1415,7 +1406,7 @@
           <a:p>
             <a:pPr lvl="0"/>
             <a:r>
-              <a:rPr lang="en-US" smtClean="0"/>
+              <a:rPr lang="en-US"/>
               <a:t>Click to edit Master text styles</a:t>
             </a:r>
           </a:p>
@@ -1443,38 +1434,37 @@
           <a:p>
             <a:pPr lvl="0"/>
             <a:r>
-              <a:rPr lang="en-US" smtClean="0"/>
+              <a:rPr lang="en-US"/>
               <a:t>Click to edit Master text styles</a:t>
             </a:r>
           </a:p>
           <a:p>
             <a:pPr lvl="1"/>
             <a:r>
-              <a:rPr lang="en-US" smtClean="0"/>
+              <a:rPr lang="en-US"/>
               <a:t>Second level</a:t>
             </a:r>
           </a:p>
           <a:p>
             <a:pPr lvl="2"/>
             <a:r>
-              <a:rPr lang="en-US" smtClean="0"/>
+              <a:rPr lang="en-US"/>
               <a:t>Third level</a:t>
             </a:r>
           </a:p>
           <a:p>
             <a:pPr lvl="3"/>
             <a:r>
-              <a:rPr lang="en-US" smtClean="0"/>
+              <a:rPr lang="en-US"/>
               <a:t>Fourth level</a:t>
             </a:r>
           </a:p>
           <a:p>
             <a:pPr lvl="4"/>
             <a:r>
-              <a:rPr lang="en-US" smtClean="0"/>
+              <a:rPr lang="en-US"/>
               <a:t>Fifth level</a:t>
             </a:r>
-            <a:endParaRPr lang="en-US"/>
           </a:p>
         </p:txBody>
       </p:sp>
@@ -1537,7 +1527,7 @@
           <a:p>
             <a:pPr lvl="0"/>
             <a:r>
-              <a:rPr lang="en-US" smtClean="0"/>
+              <a:rPr lang="en-US"/>
               <a:t>Click to edit Master text styles</a:t>
             </a:r>
           </a:p>
@@ -1565,38 +1555,37 @@
           <a:p>
             <a:pPr lvl="0"/>
             <a:r>
-              <a:rPr lang="en-US" smtClean="0"/>
+              <a:rPr lang="en-US"/>
               <a:t>Click to edit Master text styles</a:t>
             </a:r>
           </a:p>
           <a:p>
             <a:pPr lvl="1"/>
             <a:r>
-              <a:rPr lang="en-US" smtClean="0"/>
+              <a:rPr lang="en-US"/>
               <a:t>Second level</a:t>
             </a:r>
           </a:p>
           <a:p>
             <a:pPr lvl="2"/>
             <a:r>
-              <a:rPr lang="en-US" smtClean="0"/>
+              <a:rPr lang="en-US"/>
               <a:t>Third level</a:t>
             </a:r>
           </a:p>
           <a:p>
             <a:pPr lvl="3"/>
             <a:r>
-              <a:rPr lang="en-US" smtClean="0"/>
+              <a:rPr lang="en-US"/>
               <a:t>Fourth level</a:t>
             </a:r>
           </a:p>
           <a:p>
             <a:pPr lvl="4"/>
             <a:r>
-              <a:rPr lang="en-US" smtClean="0"/>
+              <a:rPr lang="en-US"/>
               <a:t>Fifth level</a:t>
             </a:r>
-            <a:endParaRPr lang="en-US"/>
           </a:p>
         </p:txBody>
       </p:sp>
@@ -1617,7 +1606,7 @@
           <a:p>
             <a:fld id="{5B3AD1D6-AE87-C841-B3FD-7C9F7FCAE5AE}" type="datetimeFigureOut">
               <a:rPr lang="en-US" smtClean="0"/>
-              <a:t>12/16/19</a:t>
+              <a:t>12/20/19</a:t>
             </a:fld>
             <a:endParaRPr lang="en-US"/>
           </a:p>
@@ -1711,10 +1700,9 @@
           <a:lstStyle/>
           <a:p>
             <a:r>
-              <a:rPr lang="en-US" smtClean="0"/>
+              <a:rPr lang="en-US"/>
               <a:t>Click to edit Master title style</a:t>
             </a:r>
-            <a:endParaRPr lang="en-US"/>
           </a:p>
         </p:txBody>
       </p:sp>
@@ -1735,7 +1723,7 @@
           <a:p>
             <a:fld id="{5B3AD1D6-AE87-C841-B3FD-7C9F7FCAE5AE}" type="datetimeFigureOut">
               <a:rPr lang="en-US" smtClean="0"/>
-              <a:t>12/16/19</a:t>
+              <a:t>12/20/19</a:t>
             </a:fld>
             <a:endParaRPr lang="en-US"/>
           </a:p>
@@ -1830,7 +1818,7 @@
           <a:p>
             <a:fld id="{5B3AD1D6-AE87-C841-B3FD-7C9F7FCAE5AE}" type="datetimeFigureOut">
               <a:rPr lang="en-US" smtClean="0"/>
-              <a:t>12/16/19</a:t>
+              <a:t>12/20/19</a:t>
             </a:fld>
             <a:endParaRPr lang="en-US"/>
           </a:p>
@@ -1933,10 +1921,9 @@
           </a:lstStyle>
           <a:p>
             <a:r>
-              <a:rPr lang="en-US" smtClean="0"/>
+              <a:rPr lang="en-US"/>
               <a:t>Click to edit Master title style</a:t>
             </a:r>
-            <a:endParaRPr lang="en-US"/>
           </a:p>
         </p:txBody>
       </p:sp>
@@ -1990,38 +1977,37 @@
           <a:p>
             <a:pPr lvl="0"/>
             <a:r>
-              <a:rPr lang="en-US" smtClean="0"/>
+              <a:rPr lang="en-US"/>
               <a:t>Click to edit Master text styles</a:t>
             </a:r>
           </a:p>
           <a:p>
             <a:pPr lvl="1"/>
             <a:r>
-              <a:rPr lang="en-US" smtClean="0"/>
+              <a:rPr lang="en-US"/>
               <a:t>Second level</a:t>
             </a:r>
           </a:p>
           <a:p>
             <a:pPr lvl="2"/>
             <a:r>
-              <a:rPr lang="en-US" smtClean="0"/>
+              <a:rPr lang="en-US"/>
               <a:t>Third level</a:t>
             </a:r>
           </a:p>
           <a:p>
             <a:pPr lvl="3"/>
             <a:r>
-              <a:rPr lang="en-US" smtClean="0"/>
+              <a:rPr lang="en-US"/>
               <a:t>Fourth level</a:t>
             </a:r>
           </a:p>
           <a:p>
             <a:pPr lvl="4"/>
             <a:r>
-              <a:rPr lang="en-US" smtClean="0"/>
+              <a:rPr lang="en-US"/>
               <a:t>Fifth level</a:t>
             </a:r>
-            <a:endParaRPr lang="en-US"/>
           </a:p>
         </p:txBody>
       </p:sp>
@@ -2084,7 +2070,7 @@
           <a:p>
             <a:pPr lvl="0"/>
             <a:r>
-              <a:rPr lang="en-US" smtClean="0"/>
+              <a:rPr lang="en-US"/>
               <a:t>Click to edit Master text styles</a:t>
             </a:r>
           </a:p>
@@ -2107,7 +2093,7 @@
           <a:p>
             <a:fld id="{5B3AD1D6-AE87-C841-B3FD-7C9F7FCAE5AE}" type="datetimeFigureOut">
               <a:rPr lang="en-US" smtClean="0"/>
-              <a:t>12/16/19</a:t>
+              <a:t>12/20/19</a:t>
             </a:fld>
             <a:endParaRPr lang="en-US"/>
           </a:p>
@@ -2210,10 +2196,9 @@
           </a:lstStyle>
           <a:p>
             <a:r>
-              <a:rPr lang="en-US" smtClean="0"/>
+              <a:rPr lang="en-US"/>
               <a:t>Click to edit Master title style</a:t>
             </a:r>
-            <a:endParaRPr lang="en-US"/>
           </a:p>
         </p:txBody>
       </p:sp>
@@ -2337,7 +2322,7 @@
           <a:p>
             <a:pPr lvl="0"/>
             <a:r>
-              <a:rPr lang="en-US" smtClean="0"/>
+              <a:rPr lang="en-US"/>
               <a:t>Click to edit Master text styles</a:t>
             </a:r>
           </a:p>
@@ -2360,7 +2345,7 @@
           <a:p>
             <a:fld id="{5B3AD1D6-AE87-C841-B3FD-7C9F7FCAE5AE}" type="datetimeFigureOut">
               <a:rPr lang="en-US" smtClean="0"/>
-              <a:t>12/16/19</a:t>
+              <a:t>12/20/19</a:t>
             </a:fld>
             <a:endParaRPr lang="en-US"/>
           </a:p>
@@ -2469,10 +2454,9 @@
           <a:lstStyle/>
           <a:p>
             <a:r>
-              <a:rPr lang="en-US" smtClean="0"/>
+              <a:rPr lang="en-US"/>
               <a:t>Click to edit Master title style</a:t>
             </a:r>
-            <a:endParaRPr lang="en-US"/>
           </a:p>
         </p:txBody>
       </p:sp>
@@ -2503,38 +2487,37 @@
           <a:p>
             <a:pPr lvl="0"/>
             <a:r>
-              <a:rPr lang="en-US" smtClean="0"/>
+              <a:rPr lang="en-US"/>
               <a:t>Click to edit Master text styles</a:t>
             </a:r>
           </a:p>
           <a:p>
             <a:pPr lvl="1"/>
             <a:r>
-              <a:rPr lang="en-US" smtClean="0"/>
+              <a:rPr lang="en-US"/>
               <a:t>Second level</a:t>
             </a:r>
           </a:p>
           <a:p>
             <a:pPr lvl="2"/>
             <a:r>
-              <a:rPr lang="en-US" smtClean="0"/>
+              <a:rPr lang="en-US"/>
               <a:t>Third level</a:t>
             </a:r>
           </a:p>
           <a:p>
             <a:pPr lvl="3"/>
             <a:r>
-              <a:rPr lang="en-US" smtClean="0"/>
+              <a:rPr lang="en-US"/>
               <a:t>Fourth level</a:t>
             </a:r>
           </a:p>
           <a:p>
             <a:pPr lvl="4"/>
             <a:r>
-              <a:rPr lang="en-US" smtClean="0"/>
+              <a:rPr lang="en-US"/>
               <a:t>Fifth level</a:t>
             </a:r>
-            <a:endParaRPr lang="en-US"/>
           </a:p>
         </p:txBody>
       </p:sp>
@@ -2573,7 +2556,7 @@
           <a:p>
             <a:fld id="{5B3AD1D6-AE87-C841-B3FD-7C9F7FCAE5AE}" type="datetimeFigureOut">
               <a:rPr lang="en-US" smtClean="0"/>
-              <a:t>12/16/19</a:t>
+              <a:t>12/20/19</a:t>
             </a:fld>
             <a:endParaRPr lang="en-US"/>
           </a:p>
@@ -3000,29 +2983,6 @@
           </a:bodyPr>
           <a:lstStyle/>
           <a:p>
-            <a:r>
-              <a:rPr lang="en-US" sz="4000" dirty="0" smtClean="0">
-                <a:latin typeface="Arial Black" charset="0"/>
-                <a:ea typeface="Arial Black" charset="0"/>
-                <a:cs typeface="Arial Black" charset="0"/>
-              </a:rPr>
-              <a:t/>
-            </a:r>
-            <a:br>
-              <a:rPr lang="en-US" sz="4000" dirty="0" smtClean="0">
-                <a:latin typeface="Arial Black" charset="0"/>
-                <a:ea typeface="Arial Black" charset="0"/>
-                <a:cs typeface="Arial Black" charset="0"/>
-              </a:rPr>
-            </a:br>
-            <a:r>
-              <a:rPr lang="en-US" sz="4000" dirty="0">
-                <a:latin typeface="Arial Black" charset="0"/>
-                <a:ea typeface="Arial Black" charset="0"/>
-                <a:cs typeface="Arial Black" charset="0"/>
-              </a:rPr>
-              <a:t/>
-            </a:r>
             <a:br>
               <a:rPr lang="en-US" sz="4000" dirty="0">
                 <a:latin typeface="Arial Black" charset="0"/>
@@ -3030,29 +2990,6 @@
                 <a:cs typeface="Arial Black" charset="0"/>
               </a:rPr>
             </a:br>
-            <a:r>
-              <a:rPr lang="en-US" sz="4000" dirty="0" smtClean="0">
-                <a:latin typeface="Arial Black" charset="0"/>
-                <a:ea typeface="Arial Black" charset="0"/>
-                <a:cs typeface="Arial Black" charset="0"/>
-              </a:rPr>
-              <a:t/>
-            </a:r>
-            <a:br>
-              <a:rPr lang="en-US" sz="4000" dirty="0" smtClean="0">
-                <a:latin typeface="Arial Black" charset="0"/>
-                <a:ea typeface="Arial Black" charset="0"/>
-                <a:cs typeface="Arial Black" charset="0"/>
-              </a:rPr>
-            </a:br>
-            <a:r>
-              <a:rPr lang="en-US" sz="4000" dirty="0">
-                <a:latin typeface="Arial Black" charset="0"/>
-                <a:ea typeface="Arial Black" charset="0"/>
-                <a:cs typeface="Arial Black" charset="0"/>
-              </a:rPr>
-              <a:t/>
-            </a:r>
             <a:br>
               <a:rPr lang="en-US" sz="4000" dirty="0">
                 <a:latin typeface="Arial Black" charset="0"/>
@@ -3060,29 +2997,6 @@
                 <a:cs typeface="Arial Black" charset="0"/>
               </a:rPr>
             </a:br>
-            <a:r>
-              <a:rPr lang="en-US" sz="4000" dirty="0" smtClean="0">
-                <a:latin typeface="Arial Black" charset="0"/>
-                <a:ea typeface="Arial Black" charset="0"/>
-                <a:cs typeface="Arial Black" charset="0"/>
-              </a:rPr>
-              <a:t/>
-            </a:r>
-            <a:br>
-              <a:rPr lang="en-US" sz="4000" dirty="0" smtClean="0">
-                <a:latin typeface="Arial Black" charset="0"/>
-                <a:ea typeface="Arial Black" charset="0"/>
-                <a:cs typeface="Arial Black" charset="0"/>
-              </a:rPr>
-            </a:br>
-            <a:r>
-              <a:rPr lang="en-US" sz="4000" dirty="0">
-                <a:latin typeface="Arial Black" charset="0"/>
-                <a:ea typeface="Arial Black" charset="0"/>
-                <a:cs typeface="Arial Black" charset="0"/>
-              </a:rPr>
-              <a:t/>
-            </a:r>
             <a:br>
               <a:rPr lang="en-US" sz="4000" dirty="0">
                 <a:latin typeface="Arial Black" charset="0"/>
@@ -3090,29 +3004,6 @@
                 <a:cs typeface="Arial Black" charset="0"/>
               </a:rPr>
             </a:br>
-            <a:r>
-              <a:rPr lang="en-US" sz="4000" dirty="0" smtClean="0">
-                <a:latin typeface="Arial Black" charset="0"/>
-                <a:ea typeface="Arial Black" charset="0"/>
-                <a:cs typeface="Arial Black" charset="0"/>
-              </a:rPr>
-              <a:t/>
-            </a:r>
-            <a:br>
-              <a:rPr lang="en-US" sz="4000" dirty="0" smtClean="0">
-                <a:latin typeface="Arial Black" charset="0"/>
-                <a:ea typeface="Arial Black" charset="0"/>
-                <a:cs typeface="Arial Black" charset="0"/>
-              </a:rPr>
-            </a:br>
-            <a:r>
-              <a:rPr lang="en-US" sz="4000" dirty="0">
-                <a:latin typeface="Arial Black" charset="0"/>
-                <a:ea typeface="Arial Black" charset="0"/>
-                <a:cs typeface="Arial Black" charset="0"/>
-              </a:rPr>
-              <a:t/>
-            </a:r>
             <a:br>
               <a:rPr lang="en-US" sz="4000" dirty="0">
                 <a:latin typeface="Arial Black" charset="0"/>
@@ -3120,29 +3011,6 @@
                 <a:cs typeface="Arial Black" charset="0"/>
               </a:rPr>
             </a:br>
-            <a:r>
-              <a:rPr lang="en-US" sz="4000" dirty="0" smtClean="0">
-                <a:latin typeface="Arial Black" charset="0"/>
-                <a:ea typeface="Arial Black" charset="0"/>
-                <a:cs typeface="Arial Black" charset="0"/>
-              </a:rPr>
-              <a:t/>
-            </a:r>
-            <a:br>
-              <a:rPr lang="en-US" sz="4000" dirty="0" smtClean="0">
-                <a:latin typeface="Arial Black" charset="0"/>
-                <a:ea typeface="Arial Black" charset="0"/>
-                <a:cs typeface="Arial Black" charset="0"/>
-              </a:rPr>
-            </a:br>
-            <a:r>
-              <a:rPr lang="en-US" sz="4000" dirty="0">
-                <a:latin typeface="Arial Black" charset="0"/>
-                <a:ea typeface="Arial Black" charset="0"/>
-                <a:cs typeface="Arial Black" charset="0"/>
-              </a:rPr>
-              <a:t/>
-            </a:r>
             <a:br>
               <a:rPr lang="en-US" sz="4000" dirty="0">
                 <a:latin typeface="Arial Black" charset="0"/>
@@ -3150,23 +3018,50 @@
                 <a:cs typeface="Arial Black" charset="0"/>
               </a:rPr>
             </a:br>
-            <a:r>
-              <a:rPr lang="en-US" sz="4000" dirty="0" smtClean="0">
-                <a:latin typeface="Arial Black" charset="0"/>
-                <a:ea typeface="Arial Black" charset="0"/>
-                <a:cs typeface="Arial Black" charset="0"/>
-              </a:rPr>
-              <a:t/>
-            </a:r>
             <a:br>
-              <a:rPr lang="en-US" sz="4000" dirty="0" smtClean="0">
+              <a:rPr lang="en-US" sz="4000" dirty="0">
                 <a:latin typeface="Arial Black" charset="0"/>
                 <a:ea typeface="Arial Black" charset="0"/>
                 <a:cs typeface="Arial Black" charset="0"/>
               </a:rPr>
             </a:br>
-            <a:r>
-              <a:rPr lang="en-US" sz="6700" dirty="0" smtClean="0">
+            <a:br>
+              <a:rPr lang="en-US" sz="4000" dirty="0">
+                <a:latin typeface="Arial Black" charset="0"/>
+                <a:ea typeface="Arial Black" charset="0"/>
+                <a:cs typeface="Arial Black" charset="0"/>
+              </a:rPr>
+            </a:br>
+            <a:br>
+              <a:rPr lang="en-US" sz="4000" dirty="0">
+                <a:latin typeface="Arial Black" charset="0"/>
+                <a:ea typeface="Arial Black" charset="0"/>
+                <a:cs typeface="Arial Black" charset="0"/>
+              </a:rPr>
+            </a:br>
+            <a:br>
+              <a:rPr lang="en-US" sz="4000" dirty="0">
+                <a:latin typeface="Arial Black" charset="0"/>
+                <a:ea typeface="Arial Black" charset="0"/>
+                <a:cs typeface="Arial Black" charset="0"/>
+              </a:rPr>
+            </a:br>
+            <a:br>
+              <a:rPr lang="en-US" sz="4000" dirty="0">
+                <a:latin typeface="Arial Black" charset="0"/>
+                <a:ea typeface="Arial Black" charset="0"/>
+                <a:cs typeface="Arial Black" charset="0"/>
+              </a:rPr>
+            </a:br>
+            <a:br>
+              <a:rPr lang="en-US" sz="4000" dirty="0">
+                <a:latin typeface="Arial Black" charset="0"/>
+                <a:ea typeface="Arial Black" charset="0"/>
+                <a:cs typeface="Arial Black" charset="0"/>
+              </a:rPr>
+            </a:br>
+            <a:r>
+              <a:rPr lang="en-US" sz="6700" dirty="0">
                 <a:latin typeface="Arial Black" charset="0"/>
                 <a:ea typeface="Arial Black" charset="0"/>
                 <a:cs typeface="Arial Black" charset="0"/>
@@ -3174,14 +3069,14 @@
               <a:t>Problems</a:t>
             </a:r>
             <a:br>
-              <a:rPr lang="en-US" sz="6700" dirty="0" smtClean="0">
+              <a:rPr lang="en-US" sz="6700" dirty="0">
                 <a:latin typeface="Arial Black" charset="0"/>
                 <a:ea typeface="Arial Black" charset="0"/>
                 <a:cs typeface="Arial Black" charset="0"/>
               </a:rPr>
             </a:br>
             <a:r>
-              <a:rPr lang="en-US" sz="6700" dirty="0" smtClean="0">
+              <a:rPr lang="en-US" sz="6700" dirty="0">
                 <a:latin typeface="Arial Black" charset="0"/>
                 <a:ea typeface="Arial Black" charset="0"/>
                 <a:cs typeface="Arial Black" charset="0"/>
@@ -3189,14 +3084,14 @@
               <a:t>on</a:t>
             </a:r>
             <a:br>
-              <a:rPr lang="en-US" sz="6700" dirty="0" smtClean="0">
+              <a:rPr lang="en-US" sz="6700">
                 <a:latin typeface="Arial Black" charset="0"/>
                 <a:ea typeface="Arial Black" charset="0"/>
                 <a:cs typeface="Arial Black" charset="0"/>
               </a:rPr>
             </a:br>
             <a:r>
-              <a:rPr lang="en-US" sz="6700" dirty="0" smtClean="0">
+              <a:rPr lang="en-US" sz="6700">
                 <a:latin typeface="Arial Black" charset="0"/>
                 <a:ea typeface="Arial Black" charset="0"/>
                 <a:cs typeface="Arial Black" charset="0"/>
@@ -3204,22 +3099,22 @@
               <a:t>Counting</a:t>
             </a:r>
             <a:br>
-              <a:rPr lang="en-US" sz="6700" dirty="0" smtClean="0">
+              <a:rPr lang="en-US" sz="6700">
                 <a:latin typeface="Arial Black" charset="0"/>
                 <a:ea typeface="Arial Black" charset="0"/>
                 <a:cs typeface="Arial Black" charset="0"/>
               </a:rPr>
             </a:br>
             <a:r>
-              <a:rPr lang="en-US" sz="6700" dirty="0" smtClean="0">
+              <a:rPr lang="en-US" sz="6700">
                 <a:latin typeface="Arial Black" charset="0"/>
                 <a:ea typeface="Arial Black" charset="0"/>
                 <a:cs typeface="Arial Black" charset="0"/>
               </a:rPr>
-              <a:t/>
+              <a:t>2011</a:t>
             </a:r>
             <a:br>
-              <a:rPr lang="en-US" sz="6700" dirty="0" smtClean="0">
+              <a:rPr lang="en-US" sz="6700" dirty="0">
                 <a:latin typeface="Arial Black" charset="0"/>
                 <a:ea typeface="Arial Black" charset="0"/>
                 <a:cs typeface="Arial Black" charset="0"/>
@@ -3273,6 +3168,724 @@
 </file>
 
 <file path=ppt/slides/slide10.xml><?xml version="1.0" encoding="utf-8"?>
+<p:sld xmlns:a="http://schemas.openxmlformats.org/drawingml/2006/main" xmlns:r="http://schemas.openxmlformats.org/officeDocument/2006/relationships" xmlns:p="http://schemas.openxmlformats.org/presentationml/2006/main">
+  <p:cSld>
+    <p:spTree>
+      <p:nvGrpSpPr>
+        <p:cNvPr id="1" name=""/>
+        <p:cNvGrpSpPr/>
+        <p:nvPr/>
+      </p:nvGrpSpPr>
+      <p:grpSpPr>
+        <a:xfrm>
+          <a:off x="0" y="0"/>
+          <a:ext cx="0" cy="0"/>
+          <a:chOff x="0" y="0"/>
+          <a:chExt cx="0" cy="0"/>
+        </a:xfrm>
+      </p:grpSpPr>
+      <p:sp>
+        <p:nvSpPr>
+          <p:cNvPr id="2" name="TextBox 1">
+            <a:extLst>
+              <a:ext uri="{FF2B5EF4-FFF2-40B4-BE49-F238E27FC236}">
+                <a16:creationId xmlns:a16="http://schemas.microsoft.com/office/drawing/2014/main" id="{F40F7924-0138-714D-8C84-985262F72AA6}"/>
+              </a:ext>
+            </a:extLst>
+          </p:cNvPr>
+          <p:cNvSpPr txBox="1"/>
+          <p:nvPr/>
+        </p:nvSpPr>
+        <p:spPr>
+          <a:xfrm>
+            <a:off x="3446877" y="1028700"/>
+            <a:ext cx="5298245" cy="707886"/>
+          </a:xfrm>
+          <a:prstGeom prst="rect">
+            <a:avLst/>
+          </a:prstGeom>
+          <a:noFill/>
+        </p:spPr>
+        <p:txBody>
+          <a:bodyPr wrap="none" rtlCol="0">
+            <a:spAutoFit/>
+          </a:bodyPr>
+          <a:lstStyle/>
+          <a:p>
+            <a:r>
+              <a:rPr lang="en-US" sz="4000" b="1" dirty="0">
+                <a:latin typeface="Arial Black" panose="020B0604020202020204" pitchFamily="34" charset="0"/>
+                <a:cs typeface="Arial Black" panose="020B0604020202020204" pitchFamily="34" charset="0"/>
+              </a:rPr>
+              <a:t>b=1, c=0, d=0, e=2</a:t>
+            </a:r>
+          </a:p>
+        </p:txBody>
+      </p:sp>
+      <p:sp>
+        <p:nvSpPr>
+          <p:cNvPr id="4" name="Oval 3">
+            <a:extLst>
+              <a:ext uri="{FF2B5EF4-FFF2-40B4-BE49-F238E27FC236}">
+                <a16:creationId xmlns:a16="http://schemas.microsoft.com/office/drawing/2014/main" id="{E3B63319-F61A-1E4E-A186-6FECDEFA1090}"/>
+              </a:ext>
+            </a:extLst>
+          </p:cNvPr>
+          <p:cNvSpPr/>
+          <p:nvPr/>
+        </p:nvSpPr>
+        <p:spPr>
+          <a:xfrm>
+            <a:off x="2633746" y="3623310"/>
+            <a:ext cx="532227" cy="525780"/>
+          </a:xfrm>
+          <a:prstGeom prst="ellipse">
+            <a:avLst/>
+          </a:prstGeom>
+        </p:spPr>
+        <p:style>
+          <a:lnRef idx="2">
+            <a:schemeClr val="accent1">
+              <a:shade val="50000"/>
+            </a:schemeClr>
+          </a:lnRef>
+          <a:fillRef idx="1">
+            <a:schemeClr val="accent1"/>
+          </a:fillRef>
+          <a:effectRef idx="0">
+            <a:schemeClr val="accent1"/>
+          </a:effectRef>
+          <a:fontRef idx="minor">
+            <a:schemeClr val="lt1"/>
+          </a:fontRef>
+        </p:style>
+        <p:txBody>
+          <a:bodyPr rtlCol="0" anchor="ctr"/>
+          <a:lstStyle/>
+          <a:p>
+            <a:pPr algn="ctr"/>
+            <a:endParaRPr lang="en-US"/>
+          </a:p>
+        </p:txBody>
+      </p:sp>
+      <p:sp>
+        <p:nvSpPr>
+          <p:cNvPr id="5" name="Oval 4">
+            <a:extLst>
+              <a:ext uri="{FF2B5EF4-FFF2-40B4-BE49-F238E27FC236}">
+                <a16:creationId xmlns:a16="http://schemas.microsoft.com/office/drawing/2014/main" id="{BCE74683-2D28-0B44-BBB9-067F8273652C}"/>
+              </a:ext>
+            </a:extLst>
+          </p:cNvPr>
+          <p:cNvSpPr/>
+          <p:nvPr/>
+        </p:nvSpPr>
+        <p:spPr>
+          <a:xfrm>
+            <a:off x="7790426" y="3638550"/>
+            <a:ext cx="532227" cy="525780"/>
+          </a:xfrm>
+          <a:prstGeom prst="ellipse">
+            <a:avLst/>
+          </a:prstGeom>
+        </p:spPr>
+        <p:style>
+          <a:lnRef idx="2">
+            <a:schemeClr val="accent1">
+              <a:shade val="50000"/>
+            </a:schemeClr>
+          </a:lnRef>
+          <a:fillRef idx="1">
+            <a:schemeClr val="accent1"/>
+          </a:fillRef>
+          <a:effectRef idx="0">
+            <a:schemeClr val="accent1"/>
+          </a:effectRef>
+          <a:fontRef idx="minor">
+            <a:schemeClr val="lt1"/>
+          </a:fontRef>
+        </p:style>
+        <p:txBody>
+          <a:bodyPr rtlCol="0" anchor="ctr"/>
+          <a:lstStyle/>
+          <a:p>
+            <a:pPr algn="ctr"/>
+            <a:endParaRPr lang="en-US"/>
+          </a:p>
+        </p:txBody>
+      </p:sp>
+      <p:sp>
+        <p:nvSpPr>
+          <p:cNvPr id="6" name="Oval 5">
+            <a:extLst>
+              <a:ext uri="{FF2B5EF4-FFF2-40B4-BE49-F238E27FC236}">
+                <a16:creationId xmlns:a16="http://schemas.microsoft.com/office/drawing/2014/main" id="{745FABA2-F80E-2F49-B2A2-1C911F5DFD36}"/>
+              </a:ext>
+            </a:extLst>
+          </p:cNvPr>
+          <p:cNvSpPr/>
+          <p:nvPr/>
+        </p:nvSpPr>
+        <p:spPr>
+          <a:xfrm>
+            <a:off x="9246724" y="3638550"/>
+            <a:ext cx="532227" cy="525780"/>
+          </a:xfrm>
+          <a:prstGeom prst="ellipse">
+            <a:avLst/>
+          </a:prstGeom>
+        </p:spPr>
+        <p:style>
+          <a:lnRef idx="2">
+            <a:schemeClr val="accent1">
+              <a:shade val="50000"/>
+            </a:schemeClr>
+          </a:lnRef>
+          <a:fillRef idx="1">
+            <a:schemeClr val="accent1"/>
+          </a:fillRef>
+          <a:effectRef idx="0">
+            <a:schemeClr val="accent1"/>
+          </a:effectRef>
+          <a:fontRef idx="minor">
+            <a:schemeClr val="lt1"/>
+          </a:fontRef>
+        </p:style>
+        <p:txBody>
+          <a:bodyPr rtlCol="0" anchor="ctr"/>
+          <a:lstStyle/>
+          <a:p>
+            <a:pPr algn="ctr"/>
+            <a:endParaRPr lang="en-US"/>
+          </a:p>
+        </p:txBody>
+      </p:sp>
+      <p:sp>
+        <p:nvSpPr>
+          <p:cNvPr id="7" name="Rectangle 6">
+            <a:extLst>
+              <a:ext uri="{FF2B5EF4-FFF2-40B4-BE49-F238E27FC236}">
+                <a16:creationId xmlns:a16="http://schemas.microsoft.com/office/drawing/2014/main" id="{102E736D-6E5C-7E44-A75B-2E583E6B7F3D}"/>
+              </a:ext>
+            </a:extLst>
+          </p:cNvPr>
+          <p:cNvSpPr/>
+          <p:nvPr/>
+        </p:nvSpPr>
+        <p:spPr>
+          <a:xfrm>
+            <a:off x="6638359" y="3429000"/>
+            <a:ext cx="274320" cy="914400"/>
+          </a:xfrm>
+          <a:prstGeom prst="rect">
+            <a:avLst/>
+          </a:prstGeom>
+        </p:spPr>
+        <p:style>
+          <a:lnRef idx="2">
+            <a:schemeClr val="accent1">
+              <a:shade val="50000"/>
+            </a:schemeClr>
+          </a:lnRef>
+          <a:fillRef idx="1">
+            <a:schemeClr val="accent1"/>
+          </a:fillRef>
+          <a:effectRef idx="0">
+            <a:schemeClr val="accent1"/>
+          </a:effectRef>
+          <a:fontRef idx="minor">
+            <a:schemeClr val="lt1"/>
+          </a:fontRef>
+        </p:style>
+        <p:txBody>
+          <a:bodyPr rtlCol="0" anchor="ctr"/>
+          <a:lstStyle/>
+          <a:p>
+            <a:pPr algn="ctr"/>
+            <a:endParaRPr lang="en-US"/>
+          </a:p>
+        </p:txBody>
+      </p:sp>
+      <p:sp>
+        <p:nvSpPr>
+          <p:cNvPr id="8" name="Rectangle 7">
+            <a:extLst>
+              <a:ext uri="{FF2B5EF4-FFF2-40B4-BE49-F238E27FC236}">
+                <a16:creationId xmlns:a16="http://schemas.microsoft.com/office/drawing/2014/main" id="{62A4DB28-E298-1D42-8BC6-D6720D6438E4}"/>
+              </a:ext>
+            </a:extLst>
+          </p:cNvPr>
+          <p:cNvSpPr/>
+          <p:nvPr/>
+        </p:nvSpPr>
+        <p:spPr>
+          <a:xfrm>
+            <a:off x="5318606" y="3444240"/>
+            <a:ext cx="274320" cy="914400"/>
+          </a:xfrm>
+          <a:prstGeom prst="rect">
+            <a:avLst/>
+          </a:prstGeom>
+        </p:spPr>
+        <p:style>
+          <a:lnRef idx="2">
+            <a:schemeClr val="accent1">
+              <a:shade val="50000"/>
+            </a:schemeClr>
+          </a:lnRef>
+          <a:fillRef idx="1">
+            <a:schemeClr val="accent1"/>
+          </a:fillRef>
+          <a:effectRef idx="0">
+            <a:schemeClr val="accent1"/>
+          </a:effectRef>
+          <a:fontRef idx="minor">
+            <a:schemeClr val="lt1"/>
+          </a:fontRef>
+        </p:style>
+        <p:txBody>
+          <a:bodyPr rtlCol="0" anchor="ctr"/>
+          <a:lstStyle/>
+          <a:p>
+            <a:pPr algn="ctr"/>
+            <a:endParaRPr lang="en-US"/>
+          </a:p>
+        </p:txBody>
+      </p:sp>
+      <p:sp>
+        <p:nvSpPr>
+          <p:cNvPr id="9" name="Rectangle 8">
+            <a:extLst>
+              <a:ext uri="{FF2B5EF4-FFF2-40B4-BE49-F238E27FC236}">
+                <a16:creationId xmlns:a16="http://schemas.microsoft.com/office/drawing/2014/main" id="{409D7C83-3063-1949-8DCB-B2D3BA5B93D1}"/>
+              </a:ext>
+            </a:extLst>
+          </p:cNvPr>
+          <p:cNvSpPr/>
+          <p:nvPr/>
+        </p:nvSpPr>
+        <p:spPr>
+          <a:xfrm>
+            <a:off x="4208046" y="3448050"/>
+            <a:ext cx="274320" cy="914400"/>
+          </a:xfrm>
+          <a:prstGeom prst="rect">
+            <a:avLst/>
+          </a:prstGeom>
+        </p:spPr>
+        <p:style>
+          <a:lnRef idx="2">
+            <a:schemeClr val="accent1">
+              <a:shade val="50000"/>
+            </a:schemeClr>
+          </a:lnRef>
+          <a:fillRef idx="1">
+            <a:schemeClr val="accent1"/>
+          </a:fillRef>
+          <a:effectRef idx="0">
+            <a:schemeClr val="accent1"/>
+          </a:effectRef>
+          <a:fontRef idx="minor">
+            <a:schemeClr val="lt1"/>
+          </a:fontRef>
+        </p:style>
+        <p:txBody>
+          <a:bodyPr rtlCol="0" anchor="ctr"/>
+          <a:lstStyle/>
+          <a:p>
+            <a:pPr algn="ctr"/>
+            <a:endParaRPr lang="en-US"/>
+          </a:p>
+        </p:txBody>
+      </p:sp>
+      <p:pic>
+        <p:nvPicPr>
+          <p:cNvPr id="11" name="Picture 10">
+            <a:extLst>
+              <a:ext uri="{FF2B5EF4-FFF2-40B4-BE49-F238E27FC236}">
+                <a16:creationId xmlns:a16="http://schemas.microsoft.com/office/drawing/2014/main" id="{A28FB752-6874-2E49-857E-17E6241B0F82}"/>
+              </a:ext>
+            </a:extLst>
+          </p:cNvPr>
+          <p:cNvPicPr>
+            <a:picLocks noChangeAspect="1"/>
+          </p:cNvPicPr>
+          <p:nvPr/>
+        </p:nvPicPr>
+        <p:blipFill>
+          <a:blip r:embed="rId2"/>
+          <a:stretch>
+            <a:fillRect/>
+          </a:stretch>
+        </p:blipFill>
+        <p:spPr>
+          <a:xfrm>
+            <a:off x="1874520" y="2868930"/>
+            <a:ext cx="8926829" cy="3714750"/>
+          </a:xfrm>
+          <a:prstGeom prst="rect">
+            <a:avLst/>
+          </a:prstGeom>
+        </p:spPr>
+      </p:pic>
+    </p:spTree>
+    <p:extLst>
+      <p:ext uri="{BB962C8B-B14F-4D97-AF65-F5344CB8AC3E}">
+        <p14:creationId xmlns:p14="http://schemas.microsoft.com/office/powerpoint/2010/main" val="3314707844"/>
+      </p:ext>
+    </p:extLst>
+  </p:cSld>
+  <p:clrMapOvr>
+    <a:masterClrMapping/>
+  </p:clrMapOvr>
+</p:sld>
+</file>
+
+<file path=ppt/slides/slide11.xml><?xml version="1.0" encoding="utf-8"?>
+<p:sld xmlns:a="http://schemas.openxmlformats.org/drawingml/2006/main" xmlns:r="http://schemas.openxmlformats.org/officeDocument/2006/relationships" xmlns:p="http://schemas.openxmlformats.org/presentationml/2006/main">
+  <p:cSld>
+    <p:spTree>
+      <p:nvGrpSpPr>
+        <p:cNvPr id="1" name=""/>
+        <p:cNvGrpSpPr/>
+        <p:nvPr/>
+      </p:nvGrpSpPr>
+      <p:grpSpPr>
+        <a:xfrm>
+          <a:off x="0" y="0"/>
+          <a:ext cx="0" cy="0"/>
+          <a:chOff x="0" y="0"/>
+          <a:chExt cx="0" cy="0"/>
+        </a:xfrm>
+      </p:grpSpPr>
+      <p:sp>
+        <p:nvSpPr>
+          <p:cNvPr id="2" name="TextBox 1">
+            <a:extLst>
+              <a:ext uri="{FF2B5EF4-FFF2-40B4-BE49-F238E27FC236}">
+                <a16:creationId xmlns:a16="http://schemas.microsoft.com/office/drawing/2014/main" id="{F40F7924-0138-714D-8C84-985262F72AA6}"/>
+              </a:ext>
+            </a:extLst>
+          </p:cNvPr>
+          <p:cNvSpPr txBox="1"/>
+          <p:nvPr/>
+        </p:nvSpPr>
+        <p:spPr>
+          <a:xfrm>
+            <a:off x="3446877" y="1028700"/>
+            <a:ext cx="5298245" cy="707886"/>
+          </a:xfrm>
+          <a:prstGeom prst="rect">
+            <a:avLst/>
+          </a:prstGeom>
+          <a:noFill/>
+        </p:spPr>
+        <p:txBody>
+          <a:bodyPr wrap="none" rtlCol="0">
+            <a:spAutoFit/>
+          </a:bodyPr>
+          <a:lstStyle/>
+          <a:p>
+            <a:r>
+              <a:rPr lang="en-US" sz="4000" b="1" dirty="0">
+                <a:latin typeface="Arial Black" panose="020B0604020202020204" pitchFamily="34" charset="0"/>
+                <a:cs typeface="Arial Black" panose="020B0604020202020204" pitchFamily="34" charset="0"/>
+              </a:rPr>
+              <a:t>b=1, c=0, d=0, e=2</a:t>
+            </a:r>
+          </a:p>
+        </p:txBody>
+      </p:sp>
+      <p:sp>
+        <p:nvSpPr>
+          <p:cNvPr id="4" name="Oval 3">
+            <a:extLst>
+              <a:ext uri="{FF2B5EF4-FFF2-40B4-BE49-F238E27FC236}">
+                <a16:creationId xmlns:a16="http://schemas.microsoft.com/office/drawing/2014/main" id="{E3B63319-F61A-1E4E-A186-6FECDEFA1090}"/>
+              </a:ext>
+            </a:extLst>
+          </p:cNvPr>
+          <p:cNvSpPr/>
+          <p:nvPr/>
+        </p:nvSpPr>
+        <p:spPr>
+          <a:xfrm>
+            <a:off x="2633746" y="3623310"/>
+            <a:ext cx="532227" cy="525780"/>
+          </a:xfrm>
+          <a:prstGeom prst="ellipse">
+            <a:avLst/>
+          </a:prstGeom>
+        </p:spPr>
+        <p:style>
+          <a:lnRef idx="2">
+            <a:schemeClr val="accent1">
+              <a:shade val="50000"/>
+            </a:schemeClr>
+          </a:lnRef>
+          <a:fillRef idx="1">
+            <a:schemeClr val="accent1"/>
+          </a:fillRef>
+          <a:effectRef idx="0">
+            <a:schemeClr val="accent1"/>
+          </a:effectRef>
+          <a:fontRef idx="minor">
+            <a:schemeClr val="lt1"/>
+          </a:fontRef>
+        </p:style>
+        <p:txBody>
+          <a:bodyPr rtlCol="0" anchor="ctr"/>
+          <a:lstStyle/>
+          <a:p>
+            <a:pPr algn="ctr"/>
+            <a:endParaRPr lang="en-US"/>
+          </a:p>
+        </p:txBody>
+      </p:sp>
+      <p:sp>
+        <p:nvSpPr>
+          <p:cNvPr id="5" name="Oval 4">
+            <a:extLst>
+              <a:ext uri="{FF2B5EF4-FFF2-40B4-BE49-F238E27FC236}">
+                <a16:creationId xmlns:a16="http://schemas.microsoft.com/office/drawing/2014/main" id="{BCE74683-2D28-0B44-BBB9-067F8273652C}"/>
+              </a:ext>
+            </a:extLst>
+          </p:cNvPr>
+          <p:cNvSpPr/>
+          <p:nvPr/>
+        </p:nvSpPr>
+        <p:spPr>
+          <a:xfrm>
+            <a:off x="7790426" y="3638550"/>
+            <a:ext cx="532227" cy="525780"/>
+          </a:xfrm>
+          <a:prstGeom prst="ellipse">
+            <a:avLst/>
+          </a:prstGeom>
+        </p:spPr>
+        <p:style>
+          <a:lnRef idx="2">
+            <a:schemeClr val="accent1">
+              <a:shade val="50000"/>
+            </a:schemeClr>
+          </a:lnRef>
+          <a:fillRef idx="1">
+            <a:schemeClr val="accent1"/>
+          </a:fillRef>
+          <a:effectRef idx="0">
+            <a:schemeClr val="accent1"/>
+          </a:effectRef>
+          <a:fontRef idx="minor">
+            <a:schemeClr val="lt1"/>
+          </a:fontRef>
+        </p:style>
+        <p:txBody>
+          <a:bodyPr rtlCol="0" anchor="ctr"/>
+          <a:lstStyle/>
+          <a:p>
+            <a:pPr algn="ctr"/>
+            <a:endParaRPr lang="en-US"/>
+          </a:p>
+        </p:txBody>
+      </p:sp>
+      <p:sp>
+        <p:nvSpPr>
+          <p:cNvPr id="6" name="Oval 5">
+            <a:extLst>
+              <a:ext uri="{FF2B5EF4-FFF2-40B4-BE49-F238E27FC236}">
+                <a16:creationId xmlns:a16="http://schemas.microsoft.com/office/drawing/2014/main" id="{745FABA2-F80E-2F49-B2A2-1C911F5DFD36}"/>
+              </a:ext>
+            </a:extLst>
+          </p:cNvPr>
+          <p:cNvSpPr/>
+          <p:nvPr/>
+        </p:nvSpPr>
+        <p:spPr>
+          <a:xfrm>
+            <a:off x="9246724" y="3638550"/>
+            <a:ext cx="532227" cy="525780"/>
+          </a:xfrm>
+          <a:prstGeom prst="ellipse">
+            <a:avLst/>
+          </a:prstGeom>
+        </p:spPr>
+        <p:style>
+          <a:lnRef idx="2">
+            <a:schemeClr val="accent1">
+              <a:shade val="50000"/>
+            </a:schemeClr>
+          </a:lnRef>
+          <a:fillRef idx="1">
+            <a:schemeClr val="accent1"/>
+          </a:fillRef>
+          <a:effectRef idx="0">
+            <a:schemeClr val="accent1"/>
+          </a:effectRef>
+          <a:fontRef idx="minor">
+            <a:schemeClr val="lt1"/>
+          </a:fontRef>
+        </p:style>
+        <p:txBody>
+          <a:bodyPr rtlCol="0" anchor="ctr"/>
+          <a:lstStyle/>
+          <a:p>
+            <a:pPr algn="ctr"/>
+            <a:endParaRPr lang="en-US"/>
+          </a:p>
+        </p:txBody>
+      </p:sp>
+      <p:sp>
+        <p:nvSpPr>
+          <p:cNvPr id="7" name="Rectangle 6">
+            <a:extLst>
+              <a:ext uri="{FF2B5EF4-FFF2-40B4-BE49-F238E27FC236}">
+                <a16:creationId xmlns:a16="http://schemas.microsoft.com/office/drawing/2014/main" id="{102E736D-6E5C-7E44-A75B-2E583E6B7F3D}"/>
+              </a:ext>
+            </a:extLst>
+          </p:cNvPr>
+          <p:cNvSpPr/>
+          <p:nvPr/>
+        </p:nvSpPr>
+        <p:spPr>
+          <a:xfrm>
+            <a:off x="6638359" y="3429000"/>
+            <a:ext cx="274320" cy="914400"/>
+          </a:xfrm>
+          <a:prstGeom prst="rect">
+            <a:avLst/>
+          </a:prstGeom>
+        </p:spPr>
+        <p:style>
+          <a:lnRef idx="2">
+            <a:schemeClr val="accent1">
+              <a:shade val="50000"/>
+            </a:schemeClr>
+          </a:lnRef>
+          <a:fillRef idx="1">
+            <a:schemeClr val="accent1"/>
+          </a:fillRef>
+          <a:effectRef idx="0">
+            <a:schemeClr val="accent1"/>
+          </a:effectRef>
+          <a:fontRef idx="minor">
+            <a:schemeClr val="lt1"/>
+          </a:fontRef>
+        </p:style>
+        <p:txBody>
+          <a:bodyPr rtlCol="0" anchor="ctr"/>
+          <a:lstStyle/>
+          <a:p>
+            <a:pPr algn="ctr"/>
+            <a:endParaRPr lang="en-US"/>
+          </a:p>
+        </p:txBody>
+      </p:sp>
+      <p:sp>
+        <p:nvSpPr>
+          <p:cNvPr id="8" name="Rectangle 7">
+            <a:extLst>
+              <a:ext uri="{FF2B5EF4-FFF2-40B4-BE49-F238E27FC236}">
+                <a16:creationId xmlns:a16="http://schemas.microsoft.com/office/drawing/2014/main" id="{62A4DB28-E298-1D42-8BC6-D6720D6438E4}"/>
+              </a:ext>
+            </a:extLst>
+          </p:cNvPr>
+          <p:cNvSpPr/>
+          <p:nvPr/>
+        </p:nvSpPr>
+        <p:spPr>
+          <a:xfrm>
+            <a:off x="5318606" y="3444240"/>
+            <a:ext cx="274320" cy="914400"/>
+          </a:xfrm>
+          <a:prstGeom prst="rect">
+            <a:avLst/>
+          </a:prstGeom>
+        </p:spPr>
+        <p:style>
+          <a:lnRef idx="2">
+            <a:schemeClr val="accent1">
+              <a:shade val="50000"/>
+            </a:schemeClr>
+          </a:lnRef>
+          <a:fillRef idx="1">
+            <a:schemeClr val="accent1"/>
+          </a:fillRef>
+          <a:effectRef idx="0">
+            <a:schemeClr val="accent1"/>
+          </a:effectRef>
+          <a:fontRef idx="minor">
+            <a:schemeClr val="lt1"/>
+          </a:fontRef>
+        </p:style>
+        <p:txBody>
+          <a:bodyPr rtlCol="0" anchor="ctr"/>
+          <a:lstStyle/>
+          <a:p>
+            <a:pPr algn="ctr"/>
+            <a:endParaRPr lang="en-US"/>
+          </a:p>
+        </p:txBody>
+      </p:sp>
+      <p:sp>
+        <p:nvSpPr>
+          <p:cNvPr id="9" name="Rectangle 8">
+            <a:extLst>
+              <a:ext uri="{FF2B5EF4-FFF2-40B4-BE49-F238E27FC236}">
+                <a16:creationId xmlns:a16="http://schemas.microsoft.com/office/drawing/2014/main" id="{409D7C83-3063-1949-8DCB-B2D3BA5B93D1}"/>
+              </a:ext>
+            </a:extLst>
+          </p:cNvPr>
+          <p:cNvSpPr/>
+          <p:nvPr/>
+        </p:nvSpPr>
+        <p:spPr>
+          <a:xfrm>
+            <a:off x="4208046" y="3448050"/>
+            <a:ext cx="274320" cy="914400"/>
+          </a:xfrm>
+          <a:prstGeom prst="rect">
+            <a:avLst/>
+          </a:prstGeom>
+        </p:spPr>
+        <p:style>
+          <a:lnRef idx="2">
+            <a:schemeClr val="accent1">
+              <a:shade val="50000"/>
+            </a:schemeClr>
+          </a:lnRef>
+          <a:fillRef idx="1">
+            <a:schemeClr val="accent1"/>
+          </a:fillRef>
+          <a:effectRef idx="0">
+            <a:schemeClr val="accent1"/>
+          </a:effectRef>
+          <a:fontRef idx="minor">
+            <a:schemeClr val="lt1"/>
+          </a:fontRef>
+        </p:style>
+        <p:txBody>
+          <a:bodyPr rtlCol="0" anchor="ctr"/>
+          <a:lstStyle/>
+          <a:p>
+            <a:pPr algn="ctr"/>
+            <a:endParaRPr lang="en-US"/>
+          </a:p>
+        </p:txBody>
+      </p:sp>
+    </p:spTree>
+    <p:extLst>
+      <p:ext uri="{BB962C8B-B14F-4D97-AF65-F5344CB8AC3E}">
+        <p14:creationId xmlns:p14="http://schemas.microsoft.com/office/powerpoint/2010/main" val="2506371216"/>
+      </p:ext>
+    </p:extLst>
+  </p:cSld>
+  <p:clrMapOvr>
+    <a:masterClrMapping/>
+  </p:clrMapOvr>
+</p:sld>
+</file>
+
+<file path=ppt/slides/slide12.xml><?xml version="1.0" encoding="utf-8"?>
 <p:sld xmlns:a="http://schemas.openxmlformats.org/drawingml/2006/main" xmlns:r="http://schemas.openxmlformats.org/officeDocument/2006/relationships" xmlns:p="http://schemas.openxmlformats.org/presentationml/2006/main">
   <p:cSld>
     <p:spTree>
@@ -3311,6 +3924,126 @@
         </p:blipFill>
         <p:spPr>
           <a:xfrm>
+            <a:off x="520700" y="965200"/>
+            <a:ext cx="11137900" cy="4914900"/>
+          </a:xfrm>
+          <a:prstGeom prst="rect">
+            <a:avLst/>
+          </a:prstGeom>
+        </p:spPr>
+      </p:pic>
+    </p:spTree>
+    <p:extLst>
+      <p:ext uri="{BB962C8B-B14F-4D97-AF65-F5344CB8AC3E}">
+        <p14:creationId xmlns:p14="http://schemas.microsoft.com/office/powerpoint/2010/main" val="1164302828"/>
+      </p:ext>
+    </p:extLst>
+  </p:cSld>
+  <p:clrMapOvr>
+    <a:masterClrMapping/>
+  </p:clrMapOvr>
+</p:sld>
+</file>
+
+<file path=ppt/slides/slide13.xml><?xml version="1.0" encoding="utf-8"?>
+<p:sld xmlns:a="http://schemas.openxmlformats.org/drawingml/2006/main" xmlns:r="http://schemas.openxmlformats.org/officeDocument/2006/relationships" xmlns:p="http://schemas.openxmlformats.org/presentationml/2006/main">
+  <p:cSld>
+    <p:spTree>
+      <p:nvGrpSpPr>
+        <p:cNvPr id="1" name=""/>
+        <p:cNvGrpSpPr/>
+        <p:nvPr/>
+      </p:nvGrpSpPr>
+      <p:grpSpPr>
+        <a:xfrm>
+          <a:off x="0" y="0"/>
+          <a:ext cx="0" cy="0"/>
+          <a:chOff x="0" y="0"/>
+          <a:chExt cx="0" cy="0"/>
+        </a:xfrm>
+      </p:grpSpPr>
+      <p:pic>
+        <p:nvPicPr>
+          <p:cNvPr id="2" name="Picture 1"/>
+          <p:cNvPicPr>
+            <a:picLocks noChangeAspect="1"/>
+          </p:cNvPicPr>
+          <p:nvPr/>
+        </p:nvPicPr>
+        <p:blipFill>
+          <a:blip r:embed="rId2">
+            <a:extLst>
+              <a:ext uri="{28A0092B-C50C-407E-A947-70E740481C1C}">
+                <a14:useLocalDpi xmlns:a14="http://schemas.microsoft.com/office/drawing/2010/main" val="0"/>
+              </a:ext>
+            </a:extLst>
+          </a:blip>
+          <a:stretch>
+            <a:fillRect/>
+          </a:stretch>
+        </p:blipFill>
+        <p:spPr>
+          <a:xfrm>
+            <a:off x="584200" y="1003300"/>
+            <a:ext cx="11023600" cy="4851400"/>
+          </a:xfrm>
+          <a:prstGeom prst="rect">
+            <a:avLst/>
+          </a:prstGeom>
+        </p:spPr>
+      </p:pic>
+    </p:spTree>
+    <p:extLst>
+      <p:ext uri="{BB962C8B-B14F-4D97-AF65-F5344CB8AC3E}">
+        <p14:creationId xmlns:p14="http://schemas.microsoft.com/office/powerpoint/2010/main" val="184706222"/>
+      </p:ext>
+    </p:extLst>
+  </p:cSld>
+  <p:clrMapOvr>
+    <a:masterClrMapping/>
+  </p:clrMapOvr>
+</p:sld>
+</file>
+
+<file path=ppt/slides/slide14.xml><?xml version="1.0" encoding="utf-8"?>
+<p:sld xmlns:a="http://schemas.openxmlformats.org/drawingml/2006/main" xmlns:r="http://schemas.openxmlformats.org/officeDocument/2006/relationships" xmlns:p="http://schemas.openxmlformats.org/presentationml/2006/main">
+  <p:cSld>
+    <p:spTree>
+      <p:nvGrpSpPr>
+        <p:cNvPr id="1" name=""/>
+        <p:cNvGrpSpPr/>
+        <p:nvPr/>
+      </p:nvGrpSpPr>
+      <p:grpSpPr>
+        <a:xfrm>
+          <a:off x="0" y="0"/>
+          <a:ext cx="0" cy="0"/>
+          <a:chOff x="0" y="0"/>
+          <a:chExt cx="0" cy="0"/>
+        </a:xfrm>
+      </p:grpSpPr>
+      <p:pic>
+        <p:nvPicPr>
+          <p:cNvPr id="2" name="Picture 1"/>
+          <p:cNvPicPr>
+            <a:picLocks noChangeAspect="1"/>
+          </p:cNvPicPr>
+          <p:nvPr/>
+        </p:nvPicPr>
+        <p:blipFill>
+          <a:blip r:embed="rId2">
+            <a:extLst>
+              <a:ext uri="{28A0092B-C50C-407E-A947-70E740481C1C}">
+                <a14:useLocalDpi xmlns:a14="http://schemas.microsoft.com/office/drawing/2010/main" val="0"/>
+              </a:ext>
+            </a:extLst>
+          </a:blip>
+          <a:stretch>
+            <a:fillRect/>
+          </a:stretch>
+        </p:blipFill>
+        <p:spPr>
+          <a:xfrm>
             <a:off x="558800" y="876300"/>
             <a:ext cx="11061700" cy="5105400"/>
           </a:xfrm>
@@ -3367,18 +4100,13 @@
           <a:lstStyle/>
           <a:p>
             <a:r>
-              <a:rPr lang="en-US" sz="4000" dirty="0" smtClean="0">
+              <a:rPr lang="en-US" sz="4000" dirty="0">
                 <a:latin typeface="Arial Black" charset="0"/>
                 <a:ea typeface="Arial Black" charset="0"/>
                 <a:cs typeface="Arial Black" charset="0"/>
               </a:rPr>
               <a:t>Reference</a:t>
             </a:r>
-            <a:endParaRPr lang="en-US" sz="4000" dirty="0">
-              <a:latin typeface="Arial Black" charset="0"/>
-              <a:ea typeface="Arial Black" charset="0"/>
-              <a:cs typeface="Arial Black" charset="0"/>
-            </a:endParaRPr>
           </a:p>
         </p:txBody>
       </p:sp>
@@ -3397,7 +4125,7 @@
           <a:bodyPr/>
           <a:lstStyle/>
           <a:p>
-            <a:endParaRPr lang="en-US" sz="2000" dirty="0" smtClean="0">
+            <a:endParaRPr lang="en-US" sz="2000" dirty="0">
               <a:latin typeface="Arial Black" charset="0"/>
               <a:ea typeface="Arial Black" charset="0"/>
               <a:cs typeface="Arial Black" charset="0"/>
@@ -3406,7 +4134,7 @@
           </a:p>
           <a:p>
             <a:r>
-              <a:rPr lang="en-US" sz="2000" dirty="0" smtClean="0">
+              <a:rPr lang="en-US" sz="2000" dirty="0">
                 <a:latin typeface="Arial Black" charset="0"/>
                 <a:ea typeface="Arial Black" charset="0"/>
                 <a:cs typeface="Arial Black" charset="0"/>
@@ -3414,14 +4142,14 @@
               </a:rPr>
               <a:t>Data</a:t>
             </a:r>
-            <a:endParaRPr lang="en-US" sz="2000" dirty="0" smtClean="0">
+            <a:endParaRPr lang="en-US" sz="2000" dirty="0">
               <a:latin typeface="Arial Black" charset="0"/>
               <a:ea typeface="Arial Black" charset="0"/>
               <a:cs typeface="Arial Black" charset="0"/>
             </a:endParaRPr>
           </a:p>
           <a:p>
-            <a:endParaRPr lang="en-US" sz="2000" dirty="0" smtClean="0">
+            <a:endParaRPr lang="en-US" sz="2000" dirty="0">
               <a:latin typeface="Arial Black" charset="0"/>
               <a:ea typeface="Arial Black" charset="0"/>
               <a:cs typeface="Arial Black" charset="0"/>
@@ -3429,7 +4157,7 @@
           </a:p>
           <a:p>
             <a:r>
-              <a:rPr lang="en-US" sz="2000" dirty="0" smtClean="0">
+              <a:rPr lang="en-US" sz="2000" dirty="0">
                 <a:latin typeface="Arial Black" charset="0"/>
                 <a:ea typeface="Arial Black" charset="0"/>
                 <a:cs typeface="Arial Black" charset="0"/>
@@ -3437,14 +4165,14 @@
               </a:rPr>
               <a:t>Youtube</a:t>
             </a:r>
-            <a:endParaRPr lang="en-US" sz="2000" dirty="0" smtClean="0">
+            <a:endParaRPr lang="en-US" sz="2000" dirty="0">
               <a:latin typeface="Arial Black" charset="0"/>
               <a:ea typeface="Arial Black" charset="0"/>
               <a:cs typeface="Arial Black" charset="0"/>
             </a:endParaRPr>
           </a:p>
           <a:p>
-            <a:endParaRPr lang="en-US" dirty="0" smtClean="0">
+            <a:endParaRPr lang="en-US" dirty="0">
               <a:latin typeface="Arial Black" charset="0"/>
               <a:ea typeface="Arial Black" charset="0"/>
               <a:cs typeface="Arial Black" charset="0"/>
@@ -3452,7 +4180,7 @@
           </a:p>
           <a:p>
             <a:r>
-              <a:rPr lang="en-US" sz="2000" dirty="0" smtClean="0">
+              <a:rPr lang="en-US" sz="2000" dirty="0">
                 <a:latin typeface="Arial Black" charset="0"/>
                 <a:ea typeface="Arial Black" charset="0"/>
                 <a:cs typeface="Arial Black" charset="0"/>
@@ -3460,7 +4188,7 @@
               </a:rPr>
               <a:t>Code</a:t>
             </a:r>
-            <a:endParaRPr lang="en-US" sz="2000" dirty="0" smtClean="0">
+            <a:endParaRPr lang="en-US" sz="2000" dirty="0">
               <a:latin typeface="Arial Black" charset="0"/>
               <a:ea typeface="Arial Black" charset="0"/>
               <a:cs typeface="Arial Black" charset="0"/>
@@ -3479,13 +4207,6 @@
   <p:clrMapOvr>
     <a:masterClrMapping/>
   </p:clrMapOvr>
-  <p:timing>
-    <p:tnLst>
-      <p:par>
-        <p:cTn id="1" dur="indefinite" restart="never" nodeType="tmRoot"/>
-      </p:par>
-    </p:tnLst>
-  </p:timing>
 </p:sld>
 </file>
 
@@ -3529,18 +4250,13 @@
           <a:lstStyle/>
           <a:p>
             <a:r>
-              <a:rPr lang="en-US" sz="4000" dirty="0" smtClean="0">
+              <a:rPr lang="en-US" sz="4000" dirty="0">
                 <a:latin typeface="Arial Black" charset="0"/>
                 <a:ea typeface="Arial Black" charset="0"/>
                 <a:cs typeface="Arial Black" charset="0"/>
               </a:rPr>
               <a:t>[2011]</a:t>
             </a:r>
-            <a:endParaRPr lang="en-US" sz="4000" dirty="0">
-              <a:latin typeface="Arial Black" charset="0"/>
-              <a:ea typeface="Arial Black" charset="0"/>
-              <a:cs typeface="Arial Black" charset="0"/>
-            </a:endParaRPr>
           </a:p>
         </p:txBody>
       </p:sp>
@@ -3874,30 +4590,344 @@
           <a:chExt cx="0" cy="0"/>
         </a:xfrm>
       </p:grpSpPr>
+      <p:sp>
+        <p:nvSpPr>
+          <p:cNvPr id="2" name="TextBox 1">
+            <a:extLst>
+              <a:ext uri="{FF2B5EF4-FFF2-40B4-BE49-F238E27FC236}">
+                <a16:creationId xmlns:a16="http://schemas.microsoft.com/office/drawing/2014/main" id="{F40F7924-0138-714D-8C84-985262F72AA6}"/>
+              </a:ext>
+            </a:extLst>
+          </p:cNvPr>
+          <p:cNvSpPr txBox="1"/>
+          <p:nvPr/>
+        </p:nvSpPr>
+        <p:spPr>
+          <a:xfrm>
+            <a:off x="3446877" y="1028700"/>
+            <a:ext cx="5298245" cy="707886"/>
+          </a:xfrm>
+          <a:prstGeom prst="rect">
+            <a:avLst/>
+          </a:prstGeom>
+          <a:noFill/>
+        </p:spPr>
+        <p:txBody>
+          <a:bodyPr wrap="none" rtlCol="0">
+            <a:spAutoFit/>
+          </a:bodyPr>
+          <a:lstStyle/>
+          <a:p>
+            <a:r>
+              <a:rPr lang="en-US" sz="4000" b="1" dirty="0">
+                <a:latin typeface="Arial Black" panose="020B0604020202020204" pitchFamily="34" charset="0"/>
+                <a:cs typeface="Arial Black" panose="020B0604020202020204" pitchFamily="34" charset="0"/>
+              </a:rPr>
+              <a:t>b=0, c=1, d=0, e=2</a:t>
+            </a:r>
+          </a:p>
+        </p:txBody>
+      </p:sp>
+      <p:sp>
+        <p:nvSpPr>
+          <p:cNvPr id="4" name="Oval 3">
+            <a:extLst>
+              <a:ext uri="{FF2B5EF4-FFF2-40B4-BE49-F238E27FC236}">
+                <a16:creationId xmlns:a16="http://schemas.microsoft.com/office/drawing/2014/main" id="{E3B63319-F61A-1E4E-A186-6FECDEFA1090}"/>
+              </a:ext>
+            </a:extLst>
+          </p:cNvPr>
+          <p:cNvSpPr/>
+          <p:nvPr/>
+        </p:nvSpPr>
+        <p:spPr>
+          <a:xfrm>
+            <a:off x="3908632" y="3638550"/>
+            <a:ext cx="532227" cy="525780"/>
+          </a:xfrm>
+          <a:prstGeom prst="ellipse">
+            <a:avLst/>
+          </a:prstGeom>
+        </p:spPr>
+        <p:style>
+          <a:lnRef idx="2">
+            <a:schemeClr val="accent1">
+              <a:shade val="50000"/>
+            </a:schemeClr>
+          </a:lnRef>
+          <a:fillRef idx="1">
+            <a:schemeClr val="accent1"/>
+          </a:fillRef>
+          <a:effectRef idx="0">
+            <a:schemeClr val="accent1"/>
+          </a:effectRef>
+          <a:fontRef idx="minor">
+            <a:schemeClr val="lt1"/>
+          </a:fontRef>
+        </p:style>
+        <p:txBody>
+          <a:bodyPr rtlCol="0" anchor="ctr"/>
+          <a:lstStyle/>
+          <a:p>
+            <a:pPr algn="ctr"/>
+            <a:endParaRPr lang="en-US"/>
+          </a:p>
+        </p:txBody>
+      </p:sp>
+      <p:sp>
+        <p:nvSpPr>
+          <p:cNvPr id="5" name="Oval 4">
+            <a:extLst>
+              <a:ext uri="{FF2B5EF4-FFF2-40B4-BE49-F238E27FC236}">
+                <a16:creationId xmlns:a16="http://schemas.microsoft.com/office/drawing/2014/main" id="{BCE74683-2D28-0B44-BBB9-067F8273652C}"/>
+              </a:ext>
+            </a:extLst>
+          </p:cNvPr>
+          <p:cNvSpPr/>
+          <p:nvPr/>
+        </p:nvSpPr>
+        <p:spPr>
+          <a:xfrm>
+            <a:off x="7790426" y="3638550"/>
+            <a:ext cx="532227" cy="525780"/>
+          </a:xfrm>
+          <a:prstGeom prst="ellipse">
+            <a:avLst/>
+          </a:prstGeom>
+        </p:spPr>
+        <p:style>
+          <a:lnRef idx="2">
+            <a:schemeClr val="accent1">
+              <a:shade val="50000"/>
+            </a:schemeClr>
+          </a:lnRef>
+          <a:fillRef idx="1">
+            <a:schemeClr val="accent1"/>
+          </a:fillRef>
+          <a:effectRef idx="0">
+            <a:schemeClr val="accent1"/>
+          </a:effectRef>
+          <a:fontRef idx="minor">
+            <a:schemeClr val="lt1"/>
+          </a:fontRef>
+        </p:style>
+        <p:txBody>
+          <a:bodyPr rtlCol="0" anchor="ctr"/>
+          <a:lstStyle/>
+          <a:p>
+            <a:pPr algn="ctr"/>
+            <a:endParaRPr lang="en-US"/>
+          </a:p>
+        </p:txBody>
+      </p:sp>
+      <p:sp>
+        <p:nvSpPr>
+          <p:cNvPr id="6" name="Oval 5">
+            <a:extLst>
+              <a:ext uri="{FF2B5EF4-FFF2-40B4-BE49-F238E27FC236}">
+                <a16:creationId xmlns:a16="http://schemas.microsoft.com/office/drawing/2014/main" id="{745FABA2-F80E-2F49-B2A2-1C911F5DFD36}"/>
+              </a:ext>
+            </a:extLst>
+          </p:cNvPr>
+          <p:cNvSpPr/>
+          <p:nvPr/>
+        </p:nvSpPr>
+        <p:spPr>
+          <a:xfrm>
+            <a:off x="9246724" y="3638550"/>
+            <a:ext cx="532227" cy="525780"/>
+          </a:xfrm>
+          <a:prstGeom prst="ellipse">
+            <a:avLst/>
+          </a:prstGeom>
+        </p:spPr>
+        <p:style>
+          <a:lnRef idx="2">
+            <a:schemeClr val="accent1">
+              <a:shade val="50000"/>
+            </a:schemeClr>
+          </a:lnRef>
+          <a:fillRef idx="1">
+            <a:schemeClr val="accent1"/>
+          </a:fillRef>
+          <a:effectRef idx="0">
+            <a:schemeClr val="accent1"/>
+          </a:effectRef>
+          <a:fontRef idx="minor">
+            <a:schemeClr val="lt1"/>
+          </a:fontRef>
+        </p:style>
+        <p:txBody>
+          <a:bodyPr rtlCol="0" anchor="ctr"/>
+          <a:lstStyle/>
+          <a:p>
+            <a:pPr algn="ctr"/>
+            <a:endParaRPr lang="en-US"/>
+          </a:p>
+        </p:txBody>
+      </p:sp>
+      <p:sp>
+        <p:nvSpPr>
+          <p:cNvPr id="7" name="Rectangle 6">
+            <a:extLst>
+              <a:ext uri="{FF2B5EF4-FFF2-40B4-BE49-F238E27FC236}">
+                <a16:creationId xmlns:a16="http://schemas.microsoft.com/office/drawing/2014/main" id="{102E736D-6E5C-7E44-A75B-2E583E6B7F3D}"/>
+              </a:ext>
+            </a:extLst>
+          </p:cNvPr>
+          <p:cNvSpPr/>
+          <p:nvPr/>
+        </p:nvSpPr>
+        <p:spPr>
+          <a:xfrm>
+            <a:off x="6638359" y="3429000"/>
+            <a:ext cx="274320" cy="914400"/>
+          </a:xfrm>
+          <a:prstGeom prst="rect">
+            <a:avLst/>
+          </a:prstGeom>
+        </p:spPr>
+        <p:style>
+          <a:lnRef idx="2">
+            <a:schemeClr val="accent1">
+              <a:shade val="50000"/>
+            </a:schemeClr>
+          </a:lnRef>
+          <a:fillRef idx="1">
+            <a:schemeClr val="accent1"/>
+          </a:fillRef>
+          <a:effectRef idx="0">
+            <a:schemeClr val="accent1"/>
+          </a:effectRef>
+          <a:fontRef idx="minor">
+            <a:schemeClr val="lt1"/>
+          </a:fontRef>
+        </p:style>
+        <p:txBody>
+          <a:bodyPr rtlCol="0" anchor="ctr"/>
+          <a:lstStyle/>
+          <a:p>
+            <a:pPr algn="ctr"/>
+            <a:endParaRPr lang="en-US"/>
+          </a:p>
+        </p:txBody>
+      </p:sp>
+      <p:sp>
+        <p:nvSpPr>
+          <p:cNvPr id="8" name="Rectangle 7">
+            <a:extLst>
+              <a:ext uri="{FF2B5EF4-FFF2-40B4-BE49-F238E27FC236}">
+                <a16:creationId xmlns:a16="http://schemas.microsoft.com/office/drawing/2014/main" id="{62A4DB28-E298-1D42-8BC6-D6720D6438E4}"/>
+              </a:ext>
+            </a:extLst>
+          </p:cNvPr>
+          <p:cNvSpPr/>
+          <p:nvPr/>
+        </p:nvSpPr>
+        <p:spPr>
+          <a:xfrm>
+            <a:off x="5318606" y="3444240"/>
+            <a:ext cx="274320" cy="914400"/>
+          </a:xfrm>
+          <a:prstGeom prst="rect">
+            <a:avLst/>
+          </a:prstGeom>
+        </p:spPr>
+        <p:style>
+          <a:lnRef idx="2">
+            <a:schemeClr val="accent1">
+              <a:shade val="50000"/>
+            </a:schemeClr>
+          </a:lnRef>
+          <a:fillRef idx="1">
+            <a:schemeClr val="accent1"/>
+          </a:fillRef>
+          <a:effectRef idx="0">
+            <a:schemeClr val="accent1"/>
+          </a:effectRef>
+          <a:fontRef idx="minor">
+            <a:schemeClr val="lt1"/>
+          </a:fontRef>
+        </p:style>
+        <p:txBody>
+          <a:bodyPr rtlCol="0" anchor="ctr"/>
+          <a:lstStyle/>
+          <a:p>
+            <a:pPr algn="ctr"/>
+            <a:endParaRPr lang="en-US"/>
+          </a:p>
+        </p:txBody>
+      </p:sp>
+      <p:sp>
+        <p:nvSpPr>
+          <p:cNvPr id="9" name="Rectangle 8">
+            <a:extLst>
+              <a:ext uri="{FF2B5EF4-FFF2-40B4-BE49-F238E27FC236}">
+                <a16:creationId xmlns:a16="http://schemas.microsoft.com/office/drawing/2014/main" id="{409D7C83-3063-1949-8DCB-B2D3BA5B93D1}"/>
+              </a:ext>
+            </a:extLst>
+          </p:cNvPr>
+          <p:cNvSpPr/>
+          <p:nvPr/>
+        </p:nvSpPr>
+        <p:spPr>
+          <a:xfrm>
+            <a:off x="2762700" y="3444240"/>
+            <a:ext cx="274320" cy="914400"/>
+          </a:xfrm>
+          <a:prstGeom prst="rect">
+            <a:avLst/>
+          </a:prstGeom>
+        </p:spPr>
+        <p:style>
+          <a:lnRef idx="2">
+            <a:schemeClr val="accent1">
+              <a:shade val="50000"/>
+            </a:schemeClr>
+          </a:lnRef>
+          <a:fillRef idx="1">
+            <a:schemeClr val="accent1"/>
+          </a:fillRef>
+          <a:effectRef idx="0">
+            <a:schemeClr val="accent1"/>
+          </a:effectRef>
+          <a:fontRef idx="minor">
+            <a:schemeClr val="lt1"/>
+          </a:fontRef>
+        </p:style>
+        <p:txBody>
+          <a:bodyPr rtlCol="0" anchor="ctr"/>
+          <a:lstStyle/>
+          <a:p>
+            <a:pPr algn="ctr"/>
+            <a:endParaRPr lang="en-US"/>
+          </a:p>
+        </p:txBody>
+      </p:sp>
       <p:pic>
         <p:nvPicPr>
-          <p:cNvPr id="2" name="Picture 1"/>
+          <p:cNvPr id="11" name="Picture 10">
+            <a:extLst>
+              <a:ext uri="{FF2B5EF4-FFF2-40B4-BE49-F238E27FC236}">
+                <a16:creationId xmlns:a16="http://schemas.microsoft.com/office/drawing/2014/main" id="{A28FB752-6874-2E49-857E-17E6241B0F82}"/>
+              </a:ext>
+            </a:extLst>
+          </p:cNvPr>
           <p:cNvPicPr>
             <a:picLocks noChangeAspect="1"/>
           </p:cNvPicPr>
           <p:nvPr/>
         </p:nvPicPr>
         <p:blipFill>
-          <a:blip r:embed="rId2">
-            <a:extLst>
-              <a:ext uri="{28A0092B-C50C-407E-A947-70E740481C1C}">
-                <a14:useLocalDpi xmlns:a14="http://schemas.microsoft.com/office/drawing/2010/main" val="0"/>
-              </a:ext>
-            </a:extLst>
-          </a:blip>
+          <a:blip r:embed="rId2"/>
           <a:stretch>
             <a:fillRect/>
           </a:stretch>
         </p:blipFill>
         <p:spPr>
           <a:xfrm>
-            <a:off x="520700" y="965200"/>
-            <a:ext cx="11137900" cy="4914900"/>
+            <a:off x="1965960" y="3289300"/>
+            <a:ext cx="8835390" cy="3294380"/>
           </a:xfrm>
           <a:prstGeom prst="rect">
             <a:avLst/>
@@ -3907,7 +4937,7 @@
     </p:spTree>
     <p:extLst>
       <p:ext uri="{BB962C8B-B14F-4D97-AF65-F5344CB8AC3E}">
-        <p14:creationId xmlns:p14="http://schemas.microsoft.com/office/powerpoint/2010/main" val="1164302828"/>
+        <p14:creationId xmlns:p14="http://schemas.microsoft.com/office/powerpoint/2010/main" val="3355453299"/>
       </p:ext>
     </p:extLst>
   </p:cSld>
@@ -3934,40 +4964,324 @@
           <a:chExt cx="0" cy="0"/>
         </a:xfrm>
       </p:grpSpPr>
-      <p:pic>
-        <p:nvPicPr>
-          <p:cNvPr id="2" name="Picture 1"/>
-          <p:cNvPicPr>
-            <a:picLocks noChangeAspect="1"/>
-          </p:cNvPicPr>
-          <p:nvPr/>
-        </p:nvPicPr>
-        <p:blipFill>
-          <a:blip r:embed="rId2">
+      <p:sp>
+        <p:nvSpPr>
+          <p:cNvPr id="2" name="TextBox 1">
             <a:extLst>
-              <a:ext uri="{28A0092B-C50C-407E-A947-70E740481C1C}">
-                <a14:useLocalDpi xmlns:a14="http://schemas.microsoft.com/office/drawing/2010/main" val="0"/>
+              <a:ext uri="{FF2B5EF4-FFF2-40B4-BE49-F238E27FC236}">
+                <a16:creationId xmlns:a16="http://schemas.microsoft.com/office/drawing/2014/main" id="{F40F7924-0138-714D-8C84-985262F72AA6}"/>
               </a:ext>
             </a:extLst>
-          </a:blip>
-          <a:stretch>
-            <a:fillRect/>
-          </a:stretch>
-        </p:blipFill>
-        <p:spPr>
-          <a:xfrm>
-            <a:off x="584200" y="1003300"/>
-            <a:ext cx="11023600" cy="4851400"/>
+          </p:cNvPr>
+          <p:cNvSpPr txBox="1"/>
+          <p:nvPr/>
+        </p:nvSpPr>
+        <p:spPr>
+          <a:xfrm>
+            <a:off x="3446877" y="1028700"/>
+            <a:ext cx="5298245" cy="707886"/>
           </a:xfrm>
           <a:prstGeom prst="rect">
             <a:avLst/>
           </a:prstGeom>
-        </p:spPr>
-      </p:pic>
+          <a:noFill/>
+        </p:spPr>
+        <p:txBody>
+          <a:bodyPr wrap="none" rtlCol="0">
+            <a:spAutoFit/>
+          </a:bodyPr>
+          <a:lstStyle/>
+          <a:p>
+            <a:r>
+              <a:rPr lang="en-US" sz="4000" b="1" dirty="0">
+                <a:latin typeface="Arial Black" panose="020B0604020202020204" pitchFamily="34" charset="0"/>
+                <a:cs typeface="Arial Black" panose="020B0604020202020204" pitchFamily="34" charset="0"/>
+              </a:rPr>
+              <a:t>b=0, c=1, d=0, e=2</a:t>
+            </a:r>
+          </a:p>
+        </p:txBody>
+      </p:sp>
+      <p:sp>
+        <p:nvSpPr>
+          <p:cNvPr id="4" name="Oval 3">
+            <a:extLst>
+              <a:ext uri="{FF2B5EF4-FFF2-40B4-BE49-F238E27FC236}">
+                <a16:creationId xmlns:a16="http://schemas.microsoft.com/office/drawing/2014/main" id="{E3B63319-F61A-1E4E-A186-6FECDEFA1090}"/>
+              </a:ext>
+            </a:extLst>
+          </p:cNvPr>
+          <p:cNvSpPr/>
+          <p:nvPr/>
+        </p:nvSpPr>
+        <p:spPr>
+          <a:xfrm>
+            <a:off x="3908632" y="3638550"/>
+            <a:ext cx="532227" cy="525780"/>
+          </a:xfrm>
+          <a:prstGeom prst="ellipse">
+            <a:avLst/>
+          </a:prstGeom>
+        </p:spPr>
+        <p:style>
+          <a:lnRef idx="2">
+            <a:schemeClr val="accent1">
+              <a:shade val="50000"/>
+            </a:schemeClr>
+          </a:lnRef>
+          <a:fillRef idx="1">
+            <a:schemeClr val="accent1"/>
+          </a:fillRef>
+          <a:effectRef idx="0">
+            <a:schemeClr val="accent1"/>
+          </a:effectRef>
+          <a:fontRef idx="minor">
+            <a:schemeClr val="lt1"/>
+          </a:fontRef>
+        </p:style>
+        <p:txBody>
+          <a:bodyPr rtlCol="0" anchor="ctr"/>
+          <a:lstStyle/>
+          <a:p>
+            <a:pPr algn="ctr"/>
+            <a:endParaRPr lang="en-US"/>
+          </a:p>
+        </p:txBody>
+      </p:sp>
+      <p:sp>
+        <p:nvSpPr>
+          <p:cNvPr id="5" name="Oval 4">
+            <a:extLst>
+              <a:ext uri="{FF2B5EF4-FFF2-40B4-BE49-F238E27FC236}">
+                <a16:creationId xmlns:a16="http://schemas.microsoft.com/office/drawing/2014/main" id="{BCE74683-2D28-0B44-BBB9-067F8273652C}"/>
+              </a:ext>
+            </a:extLst>
+          </p:cNvPr>
+          <p:cNvSpPr/>
+          <p:nvPr/>
+        </p:nvSpPr>
+        <p:spPr>
+          <a:xfrm>
+            <a:off x="7790426" y="3638550"/>
+            <a:ext cx="532227" cy="525780"/>
+          </a:xfrm>
+          <a:prstGeom prst="ellipse">
+            <a:avLst/>
+          </a:prstGeom>
+        </p:spPr>
+        <p:style>
+          <a:lnRef idx="2">
+            <a:schemeClr val="accent1">
+              <a:shade val="50000"/>
+            </a:schemeClr>
+          </a:lnRef>
+          <a:fillRef idx="1">
+            <a:schemeClr val="accent1"/>
+          </a:fillRef>
+          <a:effectRef idx="0">
+            <a:schemeClr val="accent1"/>
+          </a:effectRef>
+          <a:fontRef idx="minor">
+            <a:schemeClr val="lt1"/>
+          </a:fontRef>
+        </p:style>
+        <p:txBody>
+          <a:bodyPr rtlCol="0" anchor="ctr"/>
+          <a:lstStyle/>
+          <a:p>
+            <a:pPr algn="ctr"/>
+            <a:endParaRPr lang="en-US"/>
+          </a:p>
+        </p:txBody>
+      </p:sp>
+      <p:sp>
+        <p:nvSpPr>
+          <p:cNvPr id="6" name="Oval 5">
+            <a:extLst>
+              <a:ext uri="{FF2B5EF4-FFF2-40B4-BE49-F238E27FC236}">
+                <a16:creationId xmlns:a16="http://schemas.microsoft.com/office/drawing/2014/main" id="{745FABA2-F80E-2F49-B2A2-1C911F5DFD36}"/>
+              </a:ext>
+            </a:extLst>
+          </p:cNvPr>
+          <p:cNvSpPr/>
+          <p:nvPr/>
+        </p:nvSpPr>
+        <p:spPr>
+          <a:xfrm>
+            <a:off x="9246724" y="3638550"/>
+            <a:ext cx="532227" cy="525780"/>
+          </a:xfrm>
+          <a:prstGeom prst="ellipse">
+            <a:avLst/>
+          </a:prstGeom>
+        </p:spPr>
+        <p:style>
+          <a:lnRef idx="2">
+            <a:schemeClr val="accent1">
+              <a:shade val="50000"/>
+            </a:schemeClr>
+          </a:lnRef>
+          <a:fillRef idx="1">
+            <a:schemeClr val="accent1"/>
+          </a:fillRef>
+          <a:effectRef idx="0">
+            <a:schemeClr val="accent1"/>
+          </a:effectRef>
+          <a:fontRef idx="minor">
+            <a:schemeClr val="lt1"/>
+          </a:fontRef>
+        </p:style>
+        <p:txBody>
+          <a:bodyPr rtlCol="0" anchor="ctr"/>
+          <a:lstStyle/>
+          <a:p>
+            <a:pPr algn="ctr"/>
+            <a:endParaRPr lang="en-US"/>
+          </a:p>
+        </p:txBody>
+      </p:sp>
+      <p:sp>
+        <p:nvSpPr>
+          <p:cNvPr id="7" name="Rectangle 6">
+            <a:extLst>
+              <a:ext uri="{FF2B5EF4-FFF2-40B4-BE49-F238E27FC236}">
+                <a16:creationId xmlns:a16="http://schemas.microsoft.com/office/drawing/2014/main" id="{102E736D-6E5C-7E44-A75B-2E583E6B7F3D}"/>
+              </a:ext>
+            </a:extLst>
+          </p:cNvPr>
+          <p:cNvSpPr/>
+          <p:nvPr/>
+        </p:nvSpPr>
+        <p:spPr>
+          <a:xfrm>
+            <a:off x="6638359" y="3429000"/>
+            <a:ext cx="274320" cy="914400"/>
+          </a:xfrm>
+          <a:prstGeom prst="rect">
+            <a:avLst/>
+          </a:prstGeom>
+        </p:spPr>
+        <p:style>
+          <a:lnRef idx="2">
+            <a:schemeClr val="accent1">
+              <a:shade val="50000"/>
+            </a:schemeClr>
+          </a:lnRef>
+          <a:fillRef idx="1">
+            <a:schemeClr val="accent1"/>
+          </a:fillRef>
+          <a:effectRef idx="0">
+            <a:schemeClr val="accent1"/>
+          </a:effectRef>
+          <a:fontRef idx="minor">
+            <a:schemeClr val="lt1"/>
+          </a:fontRef>
+        </p:style>
+        <p:txBody>
+          <a:bodyPr rtlCol="0" anchor="ctr"/>
+          <a:lstStyle/>
+          <a:p>
+            <a:pPr algn="ctr"/>
+            <a:endParaRPr lang="en-US"/>
+          </a:p>
+        </p:txBody>
+      </p:sp>
+      <p:sp>
+        <p:nvSpPr>
+          <p:cNvPr id="8" name="Rectangle 7">
+            <a:extLst>
+              <a:ext uri="{FF2B5EF4-FFF2-40B4-BE49-F238E27FC236}">
+                <a16:creationId xmlns:a16="http://schemas.microsoft.com/office/drawing/2014/main" id="{62A4DB28-E298-1D42-8BC6-D6720D6438E4}"/>
+              </a:ext>
+            </a:extLst>
+          </p:cNvPr>
+          <p:cNvSpPr/>
+          <p:nvPr/>
+        </p:nvSpPr>
+        <p:spPr>
+          <a:xfrm>
+            <a:off x="5318606" y="3444240"/>
+            <a:ext cx="274320" cy="914400"/>
+          </a:xfrm>
+          <a:prstGeom prst="rect">
+            <a:avLst/>
+          </a:prstGeom>
+        </p:spPr>
+        <p:style>
+          <a:lnRef idx="2">
+            <a:schemeClr val="accent1">
+              <a:shade val="50000"/>
+            </a:schemeClr>
+          </a:lnRef>
+          <a:fillRef idx="1">
+            <a:schemeClr val="accent1"/>
+          </a:fillRef>
+          <a:effectRef idx="0">
+            <a:schemeClr val="accent1"/>
+          </a:effectRef>
+          <a:fontRef idx="minor">
+            <a:schemeClr val="lt1"/>
+          </a:fontRef>
+        </p:style>
+        <p:txBody>
+          <a:bodyPr rtlCol="0" anchor="ctr"/>
+          <a:lstStyle/>
+          <a:p>
+            <a:pPr algn="ctr"/>
+            <a:endParaRPr lang="en-US"/>
+          </a:p>
+        </p:txBody>
+      </p:sp>
+      <p:sp>
+        <p:nvSpPr>
+          <p:cNvPr id="9" name="Rectangle 8">
+            <a:extLst>
+              <a:ext uri="{FF2B5EF4-FFF2-40B4-BE49-F238E27FC236}">
+                <a16:creationId xmlns:a16="http://schemas.microsoft.com/office/drawing/2014/main" id="{409D7C83-3063-1949-8DCB-B2D3BA5B93D1}"/>
+              </a:ext>
+            </a:extLst>
+          </p:cNvPr>
+          <p:cNvSpPr/>
+          <p:nvPr/>
+        </p:nvSpPr>
+        <p:spPr>
+          <a:xfrm>
+            <a:off x="2762700" y="3444240"/>
+            <a:ext cx="274320" cy="914400"/>
+          </a:xfrm>
+          <a:prstGeom prst="rect">
+            <a:avLst/>
+          </a:prstGeom>
+        </p:spPr>
+        <p:style>
+          <a:lnRef idx="2">
+            <a:schemeClr val="accent1">
+              <a:shade val="50000"/>
+            </a:schemeClr>
+          </a:lnRef>
+          <a:fillRef idx="1">
+            <a:schemeClr val="accent1"/>
+          </a:fillRef>
+          <a:effectRef idx="0">
+            <a:schemeClr val="accent1"/>
+          </a:effectRef>
+          <a:fontRef idx="minor">
+            <a:schemeClr val="lt1"/>
+          </a:fontRef>
+        </p:style>
+        <p:txBody>
+          <a:bodyPr rtlCol="0" anchor="ctr"/>
+          <a:lstStyle/>
+          <a:p>
+            <a:pPr algn="ctr"/>
+            <a:endParaRPr lang="en-US"/>
+          </a:p>
+        </p:txBody>
+      </p:sp>
     </p:spTree>
     <p:extLst>
       <p:ext uri="{BB962C8B-B14F-4D97-AF65-F5344CB8AC3E}">
-        <p14:creationId xmlns:p14="http://schemas.microsoft.com/office/powerpoint/2010/main" val="184706222"/>
+        <p14:creationId xmlns:p14="http://schemas.microsoft.com/office/powerpoint/2010/main" val="1049818309"/>
       </p:ext>
     </p:extLst>
   </p:cSld>
